--- a/slides/00_Introduction.pptx
+++ b/slides/00_Introduction.pptx
@@ -120,6 +120,11 @@
       </a:defRPr>
     </a:lvl9pPr>
   </p:defaultTextStyle>
+  <p:extLst>
+    <p:ext uri="{EFAFB233-063F-42B5-8137-9DF3F51BA10A}">
+      <p15:sldGuideLst xmlns:p15="http://schemas.microsoft.com/office/powerpoint/2012/main"/>
+    </p:ext>
+  </p:extLst>
 </p:presentation>
 </file>
 
@@ -1122,7 +1127,7 @@
           <a:bodyPr/>
           <a:lstStyle/>
           <a:p>
-            <a:fld id="{3BD4A94B-C799-44A0-A55E-25C107E165AA}" type="datetimeFigureOut">
+            <a:fld id="{20D5C61A-5CFD-4F71-B95C-19791C96A879}" type="datetime1">
               <a:rPr lang="en-US" smtClean="0"/>
               <a:t>10/16/2019</a:t>
             </a:fld>
@@ -1151,7 +1156,10 @@
           <a:bodyPr/>
           <a:lstStyle/>
           <a:p>
-            <a:endParaRPr lang="en-US"/>
+            <a:r>
+              <a:rPr lang="en-US"/>
+              <a:t>CERF 2019 | The Next Step with R | Cressman and Dunnigan</a:t>
+            </a:r>
           </a:p>
         </p:txBody>
       </p:sp>
@@ -1320,7 +1328,7 @@
           <a:bodyPr/>
           <a:lstStyle/>
           <a:p>
-            <a:fld id="{3BD4A94B-C799-44A0-A55E-25C107E165AA}" type="datetimeFigureOut">
+            <a:fld id="{D4CD7D6E-FC46-4A12-A6C3-8129F8B1368D}" type="datetime1">
               <a:rPr lang="en-US" smtClean="0"/>
               <a:t>10/16/2019</a:t>
             </a:fld>
@@ -1349,7 +1357,10 @@
           <a:bodyPr/>
           <a:lstStyle/>
           <a:p>
-            <a:endParaRPr lang="en-US"/>
+            <a:r>
+              <a:rPr lang="en-US"/>
+              <a:t>CERF 2019 | The Next Step with R | Cressman and Dunnigan</a:t>
+            </a:r>
           </a:p>
         </p:txBody>
       </p:sp>
@@ -1528,7 +1539,7 @@
           <a:bodyPr/>
           <a:lstStyle/>
           <a:p>
-            <a:fld id="{3BD4A94B-C799-44A0-A55E-25C107E165AA}" type="datetimeFigureOut">
+            <a:fld id="{1DDFA410-B7A1-4F49-BCA0-ECCFDD861EDA}" type="datetime1">
               <a:rPr lang="en-US" smtClean="0"/>
               <a:t>10/16/2019</a:t>
             </a:fld>
@@ -1557,7 +1568,10 @@
           <a:bodyPr/>
           <a:lstStyle/>
           <a:p>
-            <a:endParaRPr lang="en-US"/>
+            <a:r>
+              <a:rPr lang="en-US"/>
+              <a:t>CERF 2019 | The Next Step with R | Cressman and Dunnigan</a:t>
+            </a:r>
           </a:p>
         </p:txBody>
       </p:sp>
@@ -1726,7 +1740,7 @@
           <a:bodyPr/>
           <a:lstStyle/>
           <a:p>
-            <a:fld id="{3BD4A94B-C799-44A0-A55E-25C107E165AA}" type="datetimeFigureOut">
+            <a:fld id="{7DB4B2D1-4419-4F8E-BF16-436632790C10}" type="datetime1">
               <a:rPr lang="en-US" smtClean="0"/>
               <a:t>10/16/2019</a:t>
             </a:fld>
@@ -1755,7 +1769,10 @@
           <a:bodyPr/>
           <a:lstStyle/>
           <a:p>
-            <a:endParaRPr lang="en-US"/>
+            <a:r>
+              <a:rPr lang="en-US"/>
+              <a:t>CERF 2019 | The Next Step with R | Cressman and Dunnigan</a:t>
+            </a:r>
           </a:p>
         </p:txBody>
       </p:sp>
@@ -2001,7 +2018,7 @@
           <a:bodyPr/>
           <a:lstStyle/>
           <a:p>
-            <a:fld id="{3BD4A94B-C799-44A0-A55E-25C107E165AA}" type="datetimeFigureOut">
+            <a:fld id="{DD5A4F1C-AF24-4413-9AF7-5D2E8BD63B7A}" type="datetime1">
               <a:rPr lang="en-US" smtClean="0"/>
               <a:t>10/16/2019</a:t>
             </a:fld>
@@ -2030,7 +2047,10 @@
           <a:bodyPr/>
           <a:lstStyle/>
           <a:p>
-            <a:endParaRPr lang="en-US"/>
+            <a:r>
+              <a:rPr lang="en-US"/>
+              <a:t>CERF 2019 | The Next Step with R | Cressman and Dunnigan</a:t>
+            </a:r>
           </a:p>
         </p:txBody>
       </p:sp>
@@ -2266,7 +2286,7 @@
           <a:bodyPr/>
           <a:lstStyle/>
           <a:p>
-            <a:fld id="{3BD4A94B-C799-44A0-A55E-25C107E165AA}" type="datetimeFigureOut">
+            <a:fld id="{A30C4107-E5BF-4897-8B7F-7818781B2BEF}" type="datetime1">
               <a:rPr lang="en-US" smtClean="0"/>
               <a:t>10/16/2019</a:t>
             </a:fld>
@@ -2295,7 +2315,10 @@
           <a:bodyPr/>
           <a:lstStyle/>
           <a:p>
-            <a:endParaRPr lang="en-US"/>
+            <a:r>
+              <a:rPr lang="en-US"/>
+              <a:t>CERF 2019 | The Next Step with R | Cressman and Dunnigan</a:t>
+            </a:r>
           </a:p>
         </p:txBody>
       </p:sp>
@@ -2678,7 +2701,7 @@
           <a:bodyPr/>
           <a:lstStyle/>
           <a:p>
-            <a:fld id="{3BD4A94B-C799-44A0-A55E-25C107E165AA}" type="datetimeFigureOut">
+            <a:fld id="{94B7E4A7-AF5C-43D4-B525-193EDF4CF928}" type="datetime1">
               <a:rPr lang="en-US" smtClean="0"/>
               <a:t>10/16/2019</a:t>
             </a:fld>
@@ -2707,7 +2730,10 @@
           <a:bodyPr/>
           <a:lstStyle/>
           <a:p>
-            <a:endParaRPr lang="en-US"/>
+            <a:r>
+              <a:rPr lang="en-US"/>
+              <a:t>CERF 2019 | The Next Step with R | Cressman and Dunnigan</a:t>
+            </a:r>
           </a:p>
         </p:txBody>
       </p:sp>
@@ -2819,7 +2845,7 @@
           <a:bodyPr/>
           <a:lstStyle/>
           <a:p>
-            <a:fld id="{3BD4A94B-C799-44A0-A55E-25C107E165AA}" type="datetimeFigureOut">
+            <a:fld id="{16171D16-98A7-4147-8F21-548CB1F5A2CB}" type="datetime1">
               <a:rPr lang="en-US" smtClean="0"/>
               <a:t>10/16/2019</a:t>
             </a:fld>
@@ -2848,7 +2874,10 @@
           <a:bodyPr/>
           <a:lstStyle/>
           <a:p>
-            <a:endParaRPr lang="en-US"/>
+            <a:r>
+              <a:rPr lang="en-US"/>
+              <a:t>CERF 2019 | The Next Step with R | Cressman and Dunnigan</a:t>
+            </a:r>
           </a:p>
         </p:txBody>
       </p:sp>
@@ -2932,7 +2961,7 @@
           <a:bodyPr/>
           <a:lstStyle/>
           <a:p>
-            <a:fld id="{3BD4A94B-C799-44A0-A55E-25C107E165AA}" type="datetimeFigureOut">
+            <a:fld id="{2BFC181B-AF2C-4698-833D-9791346A0D31}" type="datetime1">
               <a:rPr lang="en-US" smtClean="0"/>
               <a:t>10/16/2019</a:t>
             </a:fld>
@@ -2961,7 +2990,10 @@
           <a:bodyPr/>
           <a:lstStyle/>
           <a:p>
-            <a:endParaRPr lang="en-US"/>
+            <a:r>
+              <a:rPr lang="en-US"/>
+              <a:t>CERF 2019 | The Next Step with R | Cressman and Dunnigan</a:t>
+            </a:r>
           </a:p>
         </p:txBody>
       </p:sp>
@@ -3243,7 +3275,7 @@
           <a:bodyPr/>
           <a:lstStyle/>
           <a:p>
-            <a:fld id="{3BD4A94B-C799-44A0-A55E-25C107E165AA}" type="datetimeFigureOut">
+            <a:fld id="{415F48C5-B639-4D35-B8B9-E2201BDB316A}" type="datetime1">
               <a:rPr lang="en-US" smtClean="0"/>
               <a:t>10/16/2019</a:t>
             </a:fld>
@@ -3272,7 +3304,10 @@
           <a:bodyPr/>
           <a:lstStyle/>
           <a:p>
-            <a:endParaRPr lang="en-US"/>
+            <a:r>
+              <a:rPr lang="en-US"/>
+              <a:t>CERF 2019 | The Next Step with R | Cressman and Dunnigan</a:t>
+            </a:r>
           </a:p>
         </p:txBody>
       </p:sp>
@@ -3531,7 +3566,7 @@
           <a:bodyPr/>
           <a:lstStyle/>
           <a:p>
-            <a:fld id="{3BD4A94B-C799-44A0-A55E-25C107E165AA}" type="datetimeFigureOut">
+            <a:fld id="{3F590B41-551D-4AEE-A188-C74BAB065259}" type="datetime1">
               <a:rPr lang="en-US" smtClean="0"/>
               <a:t>10/16/2019</a:t>
             </a:fld>
@@ -3560,7 +3595,10 @@
           <a:bodyPr/>
           <a:lstStyle/>
           <a:p>
-            <a:endParaRPr lang="en-US"/>
+            <a:r>
+              <a:rPr lang="en-US"/>
+              <a:t>CERF 2019 | The Next Step with R | Cressman and Dunnigan</a:t>
+            </a:r>
           </a:p>
         </p:txBody>
       </p:sp>
@@ -3772,7 +3810,7 @@
             </a:lvl1pPr>
           </a:lstStyle>
           <a:p>
-            <a:fld id="{3BD4A94B-C799-44A0-A55E-25C107E165AA}" type="datetimeFigureOut">
+            <a:fld id="{DA4D72AF-D22F-4C9E-9728-19507CB6CEA6}" type="datetime1">
               <a:rPr lang="en-US" smtClean="0"/>
               <a:t>10/16/2019</a:t>
             </a:fld>
@@ -3819,7 +3857,10 @@
             </a:lvl1pPr>
           </a:lstStyle>
           <a:p>
-            <a:endParaRPr lang="en-US"/>
+            <a:r>
+              <a:rPr lang="en-US"/>
+              <a:t>CERF 2019 | The Next Step with R | Cressman and Dunnigan</a:t>
+            </a:r>
           </a:p>
         </p:txBody>
       </p:sp>
@@ -3891,6 +3932,7 @@
     <p:sldLayoutId id="2147483658" r:id="rId10"/>
     <p:sldLayoutId id="2147483659" r:id="rId11"/>
   </p:sldLayoutIdLst>
+  <p:hf hdr="0" dt="0"/>
   <p:txStyles>
     <p:titleStyle>
       <a:lvl1pPr algn="l" defTabSz="914400" rtl="0" eaLnBrk="1" latinLnBrk="0" hangingPunct="1">
@@ -4577,6 +4619,63 @@
           </a:prstGeom>
         </p:spPr>
       </p:pic>
+      <p:sp>
+        <p:nvSpPr>
+          <p:cNvPr id="5" name="Footer Placeholder 4">
+            <a:extLst>
+              <a:ext uri="{FF2B5EF4-FFF2-40B4-BE49-F238E27FC236}">
+                <a16:creationId xmlns:a16="http://schemas.microsoft.com/office/drawing/2014/main" id="{82AB1D90-10F9-4710-A94A-48A44B14FDEA}"/>
+              </a:ext>
+            </a:extLst>
+          </p:cNvPr>
+          <p:cNvSpPr>
+            <a:spLocks noGrp="1"/>
+          </p:cNvSpPr>
+          <p:nvPr>
+            <p:ph type="ftr" sz="quarter" idx="11"/>
+          </p:nvPr>
+        </p:nvSpPr>
+        <p:spPr/>
+        <p:txBody>
+          <a:bodyPr/>
+          <a:lstStyle/>
+          <a:p>
+            <a:r>
+              <a:rPr lang="en-US"/>
+              <a:t>CERF 2019 | The Next Step with R | Cressman and Dunnigan</a:t>
+            </a:r>
+          </a:p>
+        </p:txBody>
+      </p:sp>
+      <p:sp>
+        <p:nvSpPr>
+          <p:cNvPr id="6" name="Slide Number Placeholder 5">
+            <a:extLst>
+              <a:ext uri="{FF2B5EF4-FFF2-40B4-BE49-F238E27FC236}">
+                <a16:creationId xmlns:a16="http://schemas.microsoft.com/office/drawing/2014/main" id="{60E3B71E-2499-49E4-873B-6944C0775A62}"/>
+              </a:ext>
+            </a:extLst>
+          </p:cNvPr>
+          <p:cNvSpPr>
+            <a:spLocks noGrp="1"/>
+          </p:cNvSpPr>
+          <p:nvPr>
+            <p:ph type="sldNum" sz="quarter" idx="12"/>
+          </p:nvPr>
+        </p:nvSpPr>
+        <p:spPr/>
+        <p:txBody>
+          <a:bodyPr/>
+          <a:lstStyle/>
+          <a:p>
+            <a:fld id="{F1C6B191-D550-4A99-8ACB-75896EEB4A4C}" type="slidenum">
+              <a:rPr lang="en-US" smtClean="0"/>
+              <a:t>1</a:t>
+            </a:fld>
+            <a:endParaRPr lang="en-US"/>
+          </a:p>
+        </p:txBody>
+      </p:sp>
     </p:spTree>
     <p:extLst>
       <p:ext uri="{BB962C8B-B14F-4D97-AF65-F5344CB8AC3E}">
@@ -4802,6 +4901,63 @@
               </a:rPr>
               <a:t>Left pad other numbers with zeros (to avoid the ‘10’ coming before ‘01’). Avoid spaces in file names, punctuation, and accented characters. </a:t>
             </a:r>
+          </a:p>
+        </p:txBody>
+      </p:sp>
+      <p:sp>
+        <p:nvSpPr>
+          <p:cNvPr id="3" name="Footer Placeholder 2">
+            <a:extLst>
+              <a:ext uri="{FF2B5EF4-FFF2-40B4-BE49-F238E27FC236}">
+                <a16:creationId xmlns:a16="http://schemas.microsoft.com/office/drawing/2014/main" id="{D1877E17-287C-4141-9508-5EB82EF62A98}"/>
+              </a:ext>
+            </a:extLst>
+          </p:cNvPr>
+          <p:cNvSpPr>
+            <a:spLocks noGrp="1"/>
+          </p:cNvSpPr>
+          <p:nvPr>
+            <p:ph type="ftr" sz="quarter" idx="11"/>
+          </p:nvPr>
+        </p:nvSpPr>
+        <p:spPr/>
+        <p:txBody>
+          <a:bodyPr/>
+          <a:lstStyle/>
+          <a:p>
+            <a:r>
+              <a:rPr lang="en-US"/>
+              <a:t>CERF 2019 | The Next Step with R | Cressman and Dunnigan</a:t>
+            </a:r>
+          </a:p>
+        </p:txBody>
+      </p:sp>
+      <p:sp>
+        <p:nvSpPr>
+          <p:cNvPr id="6" name="Slide Number Placeholder 5">
+            <a:extLst>
+              <a:ext uri="{FF2B5EF4-FFF2-40B4-BE49-F238E27FC236}">
+                <a16:creationId xmlns:a16="http://schemas.microsoft.com/office/drawing/2014/main" id="{B1183F8B-7712-49BC-B1B9-744245B90428}"/>
+              </a:ext>
+            </a:extLst>
+          </p:cNvPr>
+          <p:cNvSpPr>
+            <a:spLocks noGrp="1"/>
+          </p:cNvSpPr>
+          <p:nvPr>
+            <p:ph type="sldNum" sz="quarter" idx="12"/>
+          </p:nvPr>
+        </p:nvSpPr>
+        <p:spPr/>
+        <p:txBody>
+          <a:bodyPr/>
+          <a:lstStyle/>
+          <a:p>
+            <a:fld id="{F1C6B191-D550-4A99-8ACB-75896EEB4A4C}" type="slidenum">
+              <a:rPr lang="en-US" smtClean="0"/>
+              <a:t>10</a:t>
+            </a:fld>
+            <a:endParaRPr lang="en-US"/>
           </a:p>
         </p:txBody>
       </p:sp>
@@ -5195,6 +5351,63 @@
           </a:p>
         </p:txBody>
       </p:sp>
+      <p:sp>
+        <p:nvSpPr>
+          <p:cNvPr id="3" name="Footer Placeholder 2">
+            <a:extLst>
+              <a:ext uri="{FF2B5EF4-FFF2-40B4-BE49-F238E27FC236}">
+                <a16:creationId xmlns:a16="http://schemas.microsoft.com/office/drawing/2014/main" id="{0E17EFAC-091B-46E4-8C7E-C5944DF431C9}"/>
+              </a:ext>
+            </a:extLst>
+          </p:cNvPr>
+          <p:cNvSpPr>
+            <a:spLocks noGrp="1"/>
+          </p:cNvSpPr>
+          <p:nvPr>
+            <p:ph type="ftr" sz="quarter" idx="11"/>
+          </p:nvPr>
+        </p:nvSpPr>
+        <p:spPr/>
+        <p:txBody>
+          <a:bodyPr/>
+          <a:lstStyle/>
+          <a:p>
+            <a:r>
+              <a:rPr lang="en-US"/>
+              <a:t>CERF 2019 | The Next Step with R | Cressman and Dunnigan</a:t>
+            </a:r>
+          </a:p>
+        </p:txBody>
+      </p:sp>
+      <p:sp>
+        <p:nvSpPr>
+          <p:cNvPr id="6" name="Slide Number Placeholder 5">
+            <a:extLst>
+              <a:ext uri="{FF2B5EF4-FFF2-40B4-BE49-F238E27FC236}">
+                <a16:creationId xmlns:a16="http://schemas.microsoft.com/office/drawing/2014/main" id="{066B832E-6F89-41F3-BA86-685EB209A22D}"/>
+              </a:ext>
+            </a:extLst>
+          </p:cNvPr>
+          <p:cNvSpPr>
+            <a:spLocks noGrp="1"/>
+          </p:cNvSpPr>
+          <p:nvPr>
+            <p:ph type="sldNum" sz="quarter" idx="12"/>
+          </p:nvPr>
+        </p:nvSpPr>
+        <p:spPr/>
+        <p:txBody>
+          <a:bodyPr/>
+          <a:lstStyle/>
+          <a:p>
+            <a:fld id="{F1C6B191-D550-4A99-8ACB-75896EEB4A4C}" type="slidenum">
+              <a:rPr lang="en-US" smtClean="0"/>
+              <a:t>11</a:t>
+            </a:fld>
+            <a:endParaRPr lang="en-US"/>
+          </a:p>
+        </p:txBody>
+      </p:sp>
     </p:spTree>
     <p:extLst>
       <p:ext uri="{BB962C8B-B14F-4D97-AF65-F5344CB8AC3E}">
@@ -5498,6 +5711,63 @@
           </a:p>
         </p:txBody>
       </p:sp>
+      <p:sp>
+        <p:nvSpPr>
+          <p:cNvPr id="2" name="Footer Placeholder 1">
+            <a:extLst>
+              <a:ext uri="{FF2B5EF4-FFF2-40B4-BE49-F238E27FC236}">
+                <a16:creationId xmlns:a16="http://schemas.microsoft.com/office/drawing/2014/main" id="{20D4121E-A61D-46AC-A9EF-A364C66CCACB}"/>
+              </a:ext>
+            </a:extLst>
+          </p:cNvPr>
+          <p:cNvSpPr>
+            <a:spLocks noGrp="1"/>
+          </p:cNvSpPr>
+          <p:nvPr>
+            <p:ph type="ftr" sz="quarter" idx="11"/>
+          </p:nvPr>
+        </p:nvSpPr>
+        <p:spPr/>
+        <p:txBody>
+          <a:bodyPr/>
+          <a:lstStyle/>
+          <a:p>
+            <a:r>
+              <a:rPr lang="en-US"/>
+              <a:t>CERF 2019 | The Next Step with R | Cressman and Dunnigan</a:t>
+            </a:r>
+          </a:p>
+        </p:txBody>
+      </p:sp>
+      <p:sp>
+        <p:nvSpPr>
+          <p:cNvPr id="3" name="Slide Number Placeholder 2">
+            <a:extLst>
+              <a:ext uri="{FF2B5EF4-FFF2-40B4-BE49-F238E27FC236}">
+                <a16:creationId xmlns:a16="http://schemas.microsoft.com/office/drawing/2014/main" id="{2955FF3A-9F99-49A1-987D-960F3319473B}"/>
+              </a:ext>
+            </a:extLst>
+          </p:cNvPr>
+          <p:cNvSpPr>
+            <a:spLocks noGrp="1"/>
+          </p:cNvSpPr>
+          <p:nvPr>
+            <p:ph type="sldNum" sz="quarter" idx="12"/>
+          </p:nvPr>
+        </p:nvSpPr>
+        <p:spPr/>
+        <p:txBody>
+          <a:bodyPr/>
+          <a:lstStyle/>
+          <a:p>
+            <a:fld id="{F1C6B191-D550-4A99-8ACB-75896EEB4A4C}" type="slidenum">
+              <a:rPr lang="en-US" smtClean="0"/>
+              <a:t>12</a:t>
+            </a:fld>
+            <a:endParaRPr lang="en-US"/>
+          </a:p>
+        </p:txBody>
+      </p:sp>
     </p:spTree>
     <p:extLst>
       <p:ext uri="{BB962C8B-B14F-4D97-AF65-F5344CB8AC3E}">
@@ -5579,7 +5849,7 @@
         </p:blipFill>
         <p:spPr>
           <a:xfrm>
-            <a:off x="5931629" y="1908809"/>
+            <a:off x="5931629" y="1604820"/>
             <a:ext cx="6156912" cy="4751530"/>
           </a:xfrm>
           <a:prstGeom prst="rect">
@@ -5587,6 +5857,63 @@
           </a:prstGeom>
         </p:spPr>
       </p:pic>
+      <p:sp>
+        <p:nvSpPr>
+          <p:cNvPr id="2" name="Footer Placeholder 1">
+            <a:extLst>
+              <a:ext uri="{FF2B5EF4-FFF2-40B4-BE49-F238E27FC236}">
+                <a16:creationId xmlns:a16="http://schemas.microsoft.com/office/drawing/2014/main" id="{80FB547F-8208-4F08-B3EB-77C186138B54}"/>
+              </a:ext>
+            </a:extLst>
+          </p:cNvPr>
+          <p:cNvSpPr>
+            <a:spLocks noGrp="1"/>
+          </p:cNvSpPr>
+          <p:nvPr>
+            <p:ph type="ftr" sz="quarter" idx="11"/>
+          </p:nvPr>
+        </p:nvSpPr>
+        <p:spPr/>
+        <p:txBody>
+          <a:bodyPr/>
+          <a:lstStyle/>
+          <a:p>
+            <a:r>
+              <a:rPr lang="en-US"/>
+              <a:t>CERF 2019 | The Next Step with R | Cressman and Dunnigan</a:t>
+            </a:r>
+          </a:p>
+        </p:txBody>
+      </p:sp>
+      <p:sp>
+        <p:nvSpPr>
+          <p:cNvPr id="3" name="Slide Number Placeholder 2">
+            <a:extLst>
+              <a:ext uri="{FF2B5EF4-FFF2-40B4-BE49-F238E27FC236}">
+                <a16:creationId xmlns:a16="http://schemas.microsoft.com/office/drawing/2014/main" id="{A1A558BA-D3D5-47E0-9DD2-CAFB1709AF68}"/>
+              </a:ext>
+            </a:extLst>
+          </p:cNvPr>
+          <p:cNvSpPr>
+            <a:spLocks noGrp="1"/>
+          </p:cNvSpPr>
+          <p:nvPr>
+            <p:ph type="sldNum" sz="quarter" idx="12"/>
+          </p:nvPr>
+        </p:nvSpPr>
+        <p:spPr/>
+        <p:txBody>
+          <a:bodyPr/>
+          <a:lstStyle/>
+          <a:p>
+            <a:fld id="{F1C6B191-D550-4A99-8ACB-75896EEB4A4C}" type="slidenum">
+              <a:rPr lang="en-US" smtClean="0"/>
+              <a:t>13</a:t>
+            </a:fld>
+            <a:endParaRPr lang="en-US"/>
+          </a:p>
+        </p:txBody>
+      </p:sp>
     </p:spTree>
     <p:extLst>
       <p:ext uri="{BB962C8B-B14F-4D97-AF65-F5344CB8AC3E}">
@@ -5646,6 +5973,63 @@
           </a:p>
         </p:txBody>
       </p:sp>
+      <p:sp>
+        <p:nvSpPr>
+          <p:cNvPr id="4" name="Footer Placeholder 3">
+            <a:extLst>
+              <a:ext uri="{FF2B5EF4-FFF2-40B4-BE49-F238E27FC236}">
+                <a16:creationId xmlns:a16="http://schemas.microsoft.com/office/drawing/2014/main" id="{017E3550-83A5-47EA-AE20-74E728296381}"/>
+              </a:ext>
+            </a:extLst>
+          </p:cNvPr>
+          <p:cNvSpPr>
+            <a:spLocks noGrp="1"/>
+          </p:cNvSpPr>
+          <p:nvPr>
+            <p:ph type="ftr" sz="quarter" idx="11"/>
+          </p:nvPr>
+        </p:nvSpPr>
+        <p:spPr/>
+        <p:txBody>
+          <a:bodyPr/>
+          <a:lstStyle/>
+          <a:p>
+            <a:r>
+              <a:rPr lang="en-US" dirty="0"/>
+              <a:t>CERF 2019 | The Next Step with R | Cressman and Dunnigan</a:t>
+            </a:r>
+          </a:p>
+        </p:txBody>
+      </p:sp>
+      <p:sp>
+        <p:nvSpPr>
+          <p:cNvPr id="5" name="Slide Number Placeholder 4">
+            <a:extLst>
+              <a:ext uri="{FF2B5EF4-FFF2-40B4-BE49-F238E27FC236}">
+                <a16:creationId xmlns:a16="http://schemas.microsoft.com/office/drawing/2014/main" id="{42F63D7C-2D9C-42E1-BC1C-7BD432845029}"/>
+              </a:ext>
+            </a:extLst>
+          </p:cNvPr>
+          <p:cNvSpPr>
+            <a:spLocks noGrp="1"/>
+          </p:cNvSpPr>
+          <p:nvPr>
+            <p:ph type="sldNum" sz="quarter" idx="12"/>
+          </p:nvPr>
+        </p:nvSpPr>
+        <p:spPr/>
+        <p:txBody>
+          <a:bodyPr/>
+          <a:lstStyle/>
+          <a:p>
+            <a:fld id="{F1C6B191-D550-4A99-8ACB-75896EEB4A4C}" type="slidenum">
+              <a:rPr lang="en-US" smtClean="0"/>
+              <a:t>14</a:t>
+            </a:fld>
+            <a:endParaRPr lang="en-US"/>
+          </a:p>
+        </p:txBody>
+      </p:sp>
       <p:pic>
         <p:nvPicPr>
           <p:cNvPr id="3" name="Picture 2">
@@ -5668,7 +6052,7 @@
         </p:blipFill>
         <p:spPr>
           <a:xfrm>
-            <a:off x="1443404" y="1576388"/>
+            <a:off x="1443404" y="1316038"/>
             <a:ext cx="9305191" cy="5040312"/>
           </a:xfrm>
           <a:prstGeom prst="rect">
@@ -5759,6 +6143,63 @@
           </a:p>
         </p:txBody>
       </p:sp>
+      <p:sp>
+        <p:nvSpPr>
+          <p:cNvPr id="2" name="Footer Placeholder 1">
+            <a:extLst>
+              <a:ext uri="{FF2B5EF4-FFF2-40B4-BE49-F238E27FC236}">
+                <a16:creationId xmlns:a16="http://schemas.microsoft.com/office/drawing/2014/main" id="{1E8689F7-52FE-4112-9BB8-A2B90AAB12A7}"/>
+              </a:ext>
+            </a:extLst>
+          </p:cNvPr>
+          <p:cNvSpPr>
+            <a:spLocks noGrp="1"/>
+          </p:cNvSpPr>
+          <p:nvPr>
+            <p:ph type="ftr" sz="quarter" idx="11"/>
+          </p:nvPr>
+        </p:nvSpPr>
+        <p:spPr/>
+        <p:txBody>
+          <a:bodyPr/>
+          <a:lstStyle/>
+          <a:p>
+            <a:r>
+              <a:rPr lang="en-US"/>
+              <a:t>CERF 2019 | The Next Step with R | Cressman and Dunnigan</a:t>
+            </a:r>
+          </a:p>
+        </p:txBody>
+      </p:sp>
+      <p:sp>
+        <p:nvSpPr>
+          <p:cNvPr id="3" name="Slide Number Placeholder 2">
+            <a:extLst>
+              <a:ext uri="{FF2B5EF4-FFF2-40B4-BE49-F238E27FC236}">
+                <a16:creationId xmlns:a16="http://schemas.microsoft.com/office/drawing/2014/main" id="{EEB49F06-FEBC-454F-88DB-47D9B5856EA8}"/>
+              </a:ext>
+            </a:extLst>
+          </p:cNvPr>
+          <p:cNvSpPr>
+            <a:spLocks noGrp="1"/>
+          </p:cNvSpPr>
+          <p:nvPr>
+            <p:ph type="sldNum" sz="quarter" idx="12"/>
+          </p:nvPr>
+        </p:nvSpPr>
+        <p:spPr/>
+        <p:txBody>
+          <a:bodyPr/>
+          <a:lstStyle/>
+          <a:p>
+            <a:fld id="{F1C6B191-D550-4A99-8ACB-75896EEB4A4C}" type="slidenum">
+              <a:rPr lang="en-US" smtClean="0"/>
+              <a:t>2</a:t>
+            </a:fld>
+            <a:endParaRPr lang="en-US"/>
+          </a:p>
+        </p:txBody>
+      </p:sp>
     </p:spTree>
     <p:extLst>
       <p:ext uri="{BB962C8B-B14F-4D97-AF65-F5344CB8AC3E}">
@@ -5838,6 +6279,63 @@
           <a:bodyPr/>
           <a:lstStyle/>
           <a:p>
+            <a:endParaRPr lang="en-US"/>
+          </a:p>
+        </p:txBody>
+      </p:sp>
+      <p:sp>
+        <p:nvSpPr>
+          <p:cNvPr id="4" name="Footer Placeholder 3">
+            <a:extLst>
+              <a:ext uri="{FF2B5EF4-FFF2-40B4-BE49-F238E27FC236}">
+                <a16:creationId xmlns:a16="http://schemas.microsoft.com/office/drawing/2014/main" id="{6768BAA7-989D-48F5-ACE5-87470460127C}"/>
+              </a:ext>
+            </a:extLst>
+          </p:cNvPr>
+          <p:cNvSpPr>
+            <a:spLocks noGrp="1"/>
+          </p:cNvSpPr>
+          <p:nvPr>
+            <p:ph type="ftr" sz="quarter" idx="11"/>
+          </p:nvPr>
+        </p:nvSpPr>
+        <p:spPr/>
+        <p:txBody>
+          <a:bodyPr/>
+          <a:lstStyle/>
+          <a:p>
+            <a:r>
+              <a:rPr lang="en-US"/>
+              <a:t>CERF 2019 | The Next Step with R | Cressman and Dunnigan</a:t>
+            </a:r>
+          </a:p>
+        </p:txBody>
+      </p:sp>
+      <p:sp>
+        <p:nvSpPr>
+          <p:cNvPr id="5" name="Slide Number Placeholder 4">
+            <a:extLst>
+              <a:ext uri="{FF2B5EF4-FFF2-40B4-BE49-F238E27FC236}">
+                <a16:creationId xmlns:a16="http://schemas.microsoft.com/office/drawing/2014/main" id="{CDD7877C-BB01-44F0-A0C7-F02930DFF511}"/>
+              </a:ext>
+            </a:extLst>
+          </p:cNvPr>
+          <p:cNvSpPr>
+            <a:spLocks noGrp="1"/>
+          </p:cNvSpPr>
+          <p:nvPr>
+            <p:ph type="sldNum" sz="quarter" idx="12"/>
+          </p:nvPr>
+        </p:nvSpPr>
+        <p:spPr/>
+        <p:txBody>
+          <a:bodyPr/>
+          <a:lstStyle/>
+          <a:p>
+            <a:fld id="{F1C6B191-D550-4A99-8ACB-75896EEB4A4C}" type="slidenum">
+              <a:rPr lang="en-US" smtClean="0"/>
+              <a:t>3</a:t>
+            </a:fld>
             <a:endParaRPr lang="en-US"/>
           </a:p>
         </p:txBody>
@@ -6098,6 +6596,63 @@
           </a:p>
         </p:txBody>
       </p:sp>
+      <p:sp>
+        <p:nvSpPr>
+          <p:cNvPr id="2" name="Footer Placeholder 1">
+            <a:extLst>
+              <a:ext uri="{FF2B5EF4-FFF2-40B4-BE49-F238E27FC236}">
+                <a16:creationId xmlns:a16="http://schemas.microsoft.com/office/drawing/2014/main" id="{FB8749F1-4CD8-4261-9BF3-5E171BCF0422}"/>
+              </a:ext>
+            </a:extLst>
+          </p:cNvPr>
+          <p:cNvSpPr>
+            <a:spLocks noGrp="1"/>
+          </p:cNvSpPr>
+          <p:nvPr>
+            <p:ph type="ftr" sz="quarter" idx="11"/>
+          </p:nvPr>
+        </p:nvSpPr>
+        <p:spPr/>
+        <p:txBody>
+          <a:bodyPr/>
+          <a:lstStyle/>
+          <a:p>
+            <a:r>
+              <a:rPr lang="en-US"/>
+              <a:t>CERF 2019 | The Next Step with R | Cressman and Dunnigan</a:t>
+            </a:r>
+          </a:p>
+        </p:txBody>
+      </p:sp>
+      <p:sp>
+        <p:nvSpPr>
+          <p:cNvPr id="3" name="Slide Number Placeholder 2">
+            <a:extLst>
+              <a:ext uri="{FF2B5EF4-FFF2-40B4-BE49-F238E27FC236}">
+                <a16:creationId xmlns:a16="http://schemas.microsoft.com/office/drawing/2014/main" id="{FCAC21D8-3BFF-4B8C-ADBB-A53CA27A537B}"/>
+              </a:ext>
+            </a:extLst>
+          </p:cNvPr>
+          <p:cNvSpPr>
+            <a:spLocks noGrp="1"/>
+          </p:cNvSpPr>
+          <p:nvPr>
+            <p:ph type="sldNum" sz="quarter" idx="12"/>
+          </p:nvPr>
+        </p:nvSpPr>
+        <p:spPr/>
+        <p:txBody>
+          <a:bodyPr/>
+          <a:lstStyle/>
+          <a:p>
+            <a:fld id="{F1C6B191-D550-4A99-8ACB-75896EEB4A4C}" type="slidenum">
+              <a:rPr lang="en-US" smtClean="0"/>
+              <a:t>4</a:t>
+            </a:fld>
+            <a:endParaRPr lang="en-US"/>
+          </a:p>
+        </p:txBody>
+      </p:sp>
     </p:spTree>
     <p:extLst>
       <p:ext uri="{BB962C8B-B14F-4D97-AF65-F5344CB8AC3E}">
@@ -6184,6 +6739,63 @@
           </a:p>
         </p:txBody>
       </p:sp>
+      <p:sp>
+        <p:nvSpPr>
+          <p:cNvPr id="4" name="Footer Placeholder 3">
+            <a:extLst>
+              <a:ext uri="{FF2B5EF4-FFF2-40B4-BE49-F238E27FC236}">
+                <a16:creationId xmlns:a16="http://schemas.microsoft.com/office/drawing/2014/main" id="{CE436522-37B9-4CB6-ABB1-A89C58810FB3}"/>
+              </a:ext>
+            </a:extLst>
+          </p:cNvPr>
+          <p:cNvSpPr>
+            <a:spLocks noGrp="1"/>
+          </p:cNvSpPr>
+          <p:nvPr>
+            <p:ph type="ftr" sz="quarter" idx="11"/>
+          </p:nvPr>
+        </p:nvSpPr>
+        <p:spPr/>
+        <p:txBody>
+          <a:bodyPr/>
+          <a:lstStyle/>
+          <a:p>
+            <a:r>
+              <a:rPr lang="en-US"/>
+              <a:t>CERF 2019 | The Next Step with R | Cressman and Dunnigan</a:t>
+            </a:r>
+          </a:p>
+        </p:txBody>
+      </p:sp>
+      <p:sp>
+        <p:nvSpPr>
+          <p:cNvPr id="5" name="Slide Number Placeholder 4">
+            <a:extLst>
+              <a:ext uri="{FF2B5EF4-FFF2-40B4-BE49-F238E27FC236}">
+                <a16:creationId xmlns:a16="http://schemas.microsoft.com/office/drawing/2014/main" id="{16705DEF-FC95-4189-A26B-8F2AE5C789D8}"/>
+              </a:ext>
+            </a:extLst>
+          </p:cNvPr>
+          <p:cNvSpPr>
+            <a:spLocks noGrp="1"/>
+          </p:cNvSpPr>
+          <p:nvPr>
+            <p:ph type="sldNum" sz="quarter" idx="12"/>
+          </p:nvPr>
+        </p:nvSpPr>
+        <p:spPr/>
+        <p:txBody>
+          <a:bodyPr/>
+          <a:lstStyle/>
+          <a:p>
+            <a:fld id="{F1C6B191-D550-4A99-8ACB-75896EEB4A4C}" type="slidenum">
+              <a:rPr lang="en-US" smtClean="0"/>
+              <a:t>5</a:t>
+            </a:fld>
+            <a:endParaRPr lang="en-US"/>
+          </a:p>
+        </p:txBody>
+      </p:sp>
     </p:spTree>
     <p:extLst>
       <p:ext uri="{BB962C8B-B14F-4D97-AF65-F5344CB8AC3E}">
@@ -6282,6 +6894,63 @@
           </a:p>
         </p:txBody>
       </p:sp>
+      <p:sp>
+        <p:nvSpPr>
+          <p:cNvPr id="2" name="Footer Placeholder 1">
+            <a:extLst>
+              <a:ext uri="{FF2B5EF4-FFF2-40B4-BE49-F238E27FC236}">
+                <a16:creationId xmlns:a16="http://schemas.microsoft.com/office/drawing/2014/main" id="{600E8C9B-1DF5-44B4-BAC3-83A357BD6F12}"/>
+              </a:ext>
+            </a:extLst>
+          </p:cNvPr>
+          <p:cNvSpPr>
+            <a:spLocks noGrp="1"/>
+          </p:cNvSpPr>
+          <p:nvPr>
+            <p:ph type="ftr" sz="quarter" idx="11"/>
+          </p:nvPr>
+        </p:nvSpPr>
+        <p:spPr/>
+        <p:txBody>
+          <a:bodyPr/>
+          <a:lstStyle/>
+          <a:p>
+            <a:r>
+              <a:rPr lang="en-US"/>
+              <a:t>CERF 2019 | The Next Step with R | Cressman and Dunnigan</a:t>
+            </a:r>
+          </a:p>
+        </p:txBody>
+      </p:sp>
+      <p:sp>
+        <p:nvSpPr>
+          <p:cNvPr id="3" name="Slide Number Placeholder 2">
+            <a:extLst>
+              <a:ext uri="{FF2B5EF4-FFF2-40B4-BE49-F238E27FC236}">
+                <a16:creationId xmlns:a16="http://schemas.microsoft.com/office/drawing/2014/main" id="{1A8B9DAD-545E-4CF6-8014-7C5DE55B7AE5}"/>
+              </a:ext>
+            </a:extLst>
+          </p:cNvPr>
+          <p:cNvSpPr>
+            <a:spLocks noGrp="1"/>
+          </p:cNvSpPr>
+          <p:nvPr>
+            <p:ph type="sldNum" sz="quarter" idx="12"/>
+          </p:nvPr>
+        </p:nvSpPr>
+        <p:spPr/>
+        <p:txBody>
+          <a:bodyPr/>
+          <a:lstStyle/>
+          <a:p>
+            <a:fld id="{F1C6B191-D550-4A99-8ACB-75896EEB4A4C}" type="slidenum">
+              <a:rPr lang="en-US" smtClean="0"/>
+              <a:t>6</a:t>
+            </a:fld>
+            <a:endParaRPr lang="en-US"/>
+          </a:p>
+        </p:txBody>
+      </p:sp>
     </p:spTree>
     <p:extLst>
       <p:ext uri="{BB962C8B-B14F-4D97-AF65-F5344CB8AC3E}">
@@ -6396,6 +7065,63 @@
           </a:p>
         </p:txBody>
       </p:sp>
+      <p:sp>
+        <p:nvSpPr>
+          <p:cNvPr id="2" name="Footer Placeholder 1">
+            <a:extLst>
+              <a:ext uri="{FF2B5EF4-FFF2-40B4-BE49-F238E27FC236}">
+                <a16:creationId xmlns:a16="http://schemas.microsoft.com/office/drawing/2014/main" id="{81A300BB-7F40-4C57-8881-C6B09C47F7C0}"/>
+              </a:ext>
+            </a:extLst>
+          </p:cNvPr>
+          <p:cNvSpPr>
+            <a:spLocks noGrp="1"/>
+          </p:cNvSpPr>
+          <p:nvPr>
+            <p:ph type="ftr" sz="quarter" idx="11"/>
+          </p:nvPr>
+        </p:nvSpPr>
+        <p:spPr/>
+        <p:txBody>
+          <a:bodyPr/>
+          <a:lstStyle/>
+          <a:p>
+            <a:r>
+              <a:rPr lang="en-US"/>
+              <a:t>CERF 2019 | The Next Step with R | Cressman and Dunnigan</a:t>
+            </a:r>
+          </a:p>
+        </p:txBody>
+      </p:sp>
+      <p:sp>
+        <p:nvSpPr>
+          <p:cNvPr id="3" name="Slide Number Placeholder 2">
+            <a:extLst>
+              <a:ext uri="{FF2B5EF4-FFF2-40B4-BE49-F238E27FC236}">
+                <a16:creationId xmlns:a16="http://schemas.microsoft.com/office/drawing/2014/main" id="{2FB97827-2F9B-45FD-862D-9BC09E415F7E}"/>
+              </a:ext>
+            </a:extLst>
+          </p:cNvPr>
+          <p:cNvSpPr>
+            <a:spLocks noGrp="1"/>
+          </p:cNvSpPr>
+          <p:nvPr>
+            <p:ph type="sldNum" sz="quarter" idx="12"/>
+          </p:nvPr>
+        </p:nvSpPr>
+        <p:spPr/>
+        <p:txBody>
+          <a:bodyPr/>
+          <a:lstStyle/>
+          <a:p>
+            <a:fld id="{F1C6B191-D550-4A99-8ACB-75896EEB4A4C}" type="slidenum">
+              <a:rPr lang="en-US" smtClean="0"/>
+              <a:t>7</a:t>
+            </a:fld>
+            <a:endParaRPr lang="en-US"/>
+          </a:p>
+        </p:txBody>
+      </p:sp>
     </p:spTree>
     <p:extLst>
       <p:ext uri="{BB962C8B-B14F-4D97-AF65-F5344CB8AC3E}">
@@ -6526,6 +7252,63 @@
           </a:p>
         </p:txBody>
       </p:sp>
+      <p:sp>
+        <p:nvSpPr>
+          <p:cNvPr id="2" name="Footer Placeholder 1">
+            <a:extLst>
+              <a:ext uri="{FF2B5EF4-FFF2-40B4-BE49-F238E27FC236}">
+                <a16:creationId xmlns:a16="http://schemas.microsoft.com/office/drawing/2014/main" id="{8A14FCF1-C8DF-4DEB-ADD5-F0EC1A4B9CEA}"/>
+              </a:ext>
+            </a:extLst>
+          </p:cNvPr>
+          <p:cNvSpPr>
+            <a:spLocks noGrp="1"/>
+          </p:cNvSpPr>
+          <p:nvPr>
+            <p:ph type="ftr" sz="quarter" idx="11"/>
+          </p:nvPr>
+        </p:nvSpPr>
+        <p:spPr/>
+        <p:txBody>
+          <a:bodyPr/>
+          <a:lstStyle/>
+          <a:p>
+            <a:r>
+              <a:rPr lang="en-US"/>
+              <a:t>CERF 2019 | The Next Step with R | Cressman and Dunnigan</a:t>
+            </a:r>
+          </a:p>
+        </p:txBody>
+      </p:sp>
+      <p:sp>
+        <p:nvSpPr>
+          <p:cNvPr id="3" name="Slide Number Placeholder 2">
+            <a:extLst>
+              <a:ext uri="{FF2B5EF4-FFF2-40B4-BE49-F238E27FC236}">
+                <a16:creationId xmlns:a16="http://schemas.microsoft.com/office/drawing/2014/main" id="{5AEE37ED-086D-41C0-9CBC-F1860002C90F}"/>
+              </a:ext>
+            </a:extLst>
+          </p:cNvPr>
+          <p:cNvSpPr>
+            <a:spLocks noGrp="1"/>
+          </p:cNvSpPr>
+          <p:nvPr>
+            <p:ph type="sldNum" sz="quarter" idx="12"/>
+          </p:nvPr>
+        </p:nvSpPr>
+        <p:spPr/>
+        <p:txBody>
+          <a:bodyPr/>
+          <a:lstStyle/>
+          <a:p>
+            <a:fld id="{F1C6B191-D550-4A99-8ACB-75896EEB4A4C}" type="slidenum">
+              <a:rPr lang="en-US" smtClean="0"/>
+              <a:t>8</a:t>
+            </a:fld>
+            <a:endParaRPr lang="en-US"/>
+          </a:p>
+        </p:txBody>
+      </p:sp>
     </p:spTree>
     <p:extLst>
       <p:ext uri="{BB962C8B-B14F-4D97-AF65-F5344CB8AC3E}">
@@ -6681,6 +7464,63 @@
               <a:rPr lang="en-US" dirty="0"/>
               <a:t>` package</a:t>
             </a:r>
+          </a:p>
+        </p:txBody>
+      </p:sp>
+      <p:sp>
+        <p:nvSpPr>
+          <p:cNvPr id="2" name="Footer Placeholder 1">
+            <a:extLst>
+              <a:ext uri="{FF2B5EF4-FFF2-40B4-BE49-F238E27FC236}">
+                <a16:creationId xmlns:a16="http://schemas.microsoft.com/office/drawing/2014/main" id="{D20FD384-FCB6-4F59-86EF-1178A65B5A8C}"/>
+              </a:ext>
+            </a:extLst>
+          </p:cNvPr>
+          <p:cNvSpPr>
+            <a:spLocks noGrp="1"/>
+          </p:cNvSpPr>
+          <p:nvPr>
+            <p:ph type="ftr" sz="quarter" idx="11"/>
+          </p:nvPr>
+        </p:nvSpPr>
+        <p:spPr/>
+        <p:txBody>
+          <a:bodyPr/>
+          <a:lstStyle/>
+          <a:p>
+            <a:r>
+              <a:rPr lang="en-US"/>
+              <a:t>CERF 2019 | The Next Step with R | Cressman and Dunnigan</a:t>
+            </a:r>
+          </a:p>
+        </p:txBody>
+      </p:sp>
+      <p:sp>
+        <p:nvSpPr>
+          <p:cNvPr id="3" name="Slide Number Placeholder 2">
+            <a:extLst>
+              <a:ext uri="{FF2B5EF4-FFF2-40B4-BE49-F238E27FC236}">
+                <a16:creationId xmlns:a16="http://schemas.microsoft.com/office/drawing/2014/main" id="{5749366A-DE5A-4869-AA8F-AEBBCC560986}"/>
+              </a:ext>
+            </a:extLst>
+          </p:cNvPr>
+          <p:cNvSpPr>
+            <a:spLocks noGrp="1"/>
+          </p:cNvSpPr>
+          <p:nvPr>
+            <p:ph type="sldNum" sz="quarter" idx="12"/>
+          </p:nvPr>
+        </p:nvSpPr>
+        <p:spPr/>
+        <p:txBody>
+          <a:bodyPr/>
+          <a:lstStyle/>
+          <a:p>
+            <a:fld id="{F1C6B191-D550-4A99-8ACB-75896EEB4A4C}" type="slidenum">
+              <a:rPr lang="en-US" smtClean="0"/>
+              <a:t>9</a:t>
+            </a:fld>
+            <a:endParaRPr lang="en-US"/>
           </a:p>
         </p:txBody>
       </p:sp>

--- a/slides/00_Introduction.pptx
+++ b/slides/00_Introduction.pptx
@@ -120,6 +120,11 @@
       </a:defRPr>
     </a:lvl9pPr>
   </p:defaultTextStyle>
+  <p:extLst>
+    <p:ext uri="{EFAFB233-063F-42B5-8137-9DF3F51BA10A}">
+      <p15:sldGuideLst xmlns:p15="http://schemas.microsoft.com/office/powerpoint/2012/main"/>
+    </p:ext>
+  </p:extLst>
 </p:presentation>
 </file>
 
@@ -4577,6 +4582,42 @@
           </a:prstGeom>
         </p:spPr>
       </p:pic>
+      <p:pic>
+        <p:nvPicPr>
+          <p:cNvPr id="6" name="Picture 5" descr="A person posing for the camera&#10;&#10;Description automatically generated">
+            <a:extLst>
+              <a:ext uri="{FF2B5EF4-FFF2-40B4-BE49-F238E27FC236}">
+                <a16:creationId xmlns:a16="http://schemas.microsoft.com/office/drawing/2014/main" id="{862C64D8-F5CC-4010-8310-E93BA1E56250}"/>
+              </a:ext>
+            </a:extLst>
+          </p:cNvPr>
+          <p:cNvPicPr>
+            <a:picLocks noChangeAspect="1"/>
+          </p:cNvPicPr>
+          <p:nvPr/>
+        </p:nvPicPr>
+        <p:blipFill>
+          <a:blip r:embed="rId4">
+            <a:extLst>
+              <a:ext uri="{28A0092B-C50C-407E-A947-70E740481C1C}">
+                <a14:useLocalDpi xmlns:a14="http://schemas.microsoft.com/office/drawing/2010/main" val="0"/>
+              </a:ext>
+            </a:extLst>
+          </a:blip>
+          <a:stretch>
+            <a:fillRect/>
+          </a:stretch>
+        </p:blipFill>
+        <p:spPr>
+          <a:xfrm>
+            <a:off x="642315" y="2873706"/>
+            <a:ext cx="1636118" cy="1750150"/>
+          </a:xfrm>
+          <a:prstGeom prst="rect">
+            <a:avLst/>
+          </a:prstGeom>
+        </p:spPr>
+      </p:pic>
     </p:spTree>
     <p:extLst>
       <p:ext uri="{BB962C8B-B14F-4D97-AF65-F5344CB8AC3E}">
@@ -4692,7 +4733,7 @@
                   </a:schemeClr>
                 </a:solidFill>
               </a:rPr>
-              <a:t>Use and IDE (integrated development environment), like RStudio</a:t>
+              <a:t>Use an IDE (integrated development environment), like RStudio</a:t>
             </a:r>
           </a:p>
           <a:p>
@@ -4776,8 +4817,8 @@
         </p:nvSpPr>
         <p:spPr>
           <a:xfrm>
-            <a:off x="2831969" y="4430772"/>
-            <a:ext cx="8521831" cy="2062103"/>
+            <a:off x="2353057" y="4430772"/>
+            <a:ext cx="9000744" cy="1692771"/>
           </a:xfrm>
           <a:prstGeom prst="rect">
             <a:avLst/>
@@ -4792,7 +4833,7 @@
           <a:p>
             <a:r>
               <a:rPr lang="en-US" sz="2800" dirty="0"/>
-              <a:t>TL;DR - machine and human readable and plays well with default ordering (put something numeric first). </a:t>
+              <a:t>TL;DR - machine and human readable and plays well with default ordering (put something numeric first in file names). </a:t>
             </a:r>
           </a:p>
           <a:p>
@@ -4998,7 +5039,7 @@
                   </a:schemeClr>
                 </a:solidFill>
               </a:rPr>
-              <a:t>Use and IDE (integrated development environment), like RStudio</a:t>
+              <a:t>Use an IDE (integrated development environment), like RStudio</a:t>
             </a:r>
           </a:p>
           <a:p>
@@ -5388,7 +5429,7 @@
                   </a:schemeClr>
                 </a:solidFill>
               </a:rPr>
-              <a:t>Use and IDE (integrated development environment), like RStudio</a:t>
+              <a:t>Use an IDE (integrated development environment), like RStudio</a:t>
             </a:r>
           </a:p>
           <a:p>
@@ -6391,7 +6432,7 @@
             </a:pPr>
             <a:r>
               <a:rPr lang="en-US" dirty="0"/>
-              <a:t>Use and IDE (integrated development environment), like RStudio</a:t>
+              <a:t>Use an IDE (integrated development environment), like RStudio</a:t>
             </a:r>
           </a:p>
         </p:txBody>
@@ -6511,7 +6552,7 @@
                   </a:schemeClr>
                 </a:solidFill>
               </a:rPr>
-              <a:t>Use and IDE (integrated development environment), like RStudio</a:t>
+              <a:t>Use an IDE (integrated development environment), like RStudio</a:t>
             </a:r>
           </a:p>
           <a:p>
@@ -6641,7 +6682,7 @@
                   </a:schemeClr>
                 </a:solidFill>
               </a:rPr>
-              <a:t>Use and IDE (integrated development environment), like RStudio</a:t>
+              <a:t>Use an IDE (integrated development environment), like RStudio</a:t>
             </a:r>
           </a:p>
           <a:p>

--- a/slides/00_Introduction.pptx
+++ b/slides/00_Introduction.pptx
@@ -4583,12 +4583,69 @@
           </a:prstGeom>
         </p:spPr>
       </p:pic>
+      <p:sp>
+        <p:nvSpPr>
+          <p:cNvPr id="5" name="Footer Placeholder 4">
+            <a:extLst>
+              <a:ext uri="{FF2B5EF4-FFF2-40B4-BE49-F238E27FC236}">
+                <a16:creationId xmlns:a16="http://schemas.microsoft.com/office/drawing/2014/main" id="{82AB1D90-10F9-4710-A94A-48A44B14FDEA}"/>
+              </a:ext>
+            </a:extLst>
+          </p:cNvPr>
+          <p:cNvSpPr>
+            <a:spLocks noGrp="1"/>
+          </p:cNvSpPr>
+          <p:nvPr>
+            <p:ph type="ftr" sz="quarter" idx="11"/>
+          </p:nvPr>
+        </p:nvSpPr>
+        <p:spPr/>
+        <p:txBody>
+          <a:bodyPr/>
+          <a:lstStyle/>
+          <a:p>
+            <a:r>
+              <a:rPr lang="en-US"/>
+              <a:t>CERF 2019 | The Next Step with R | Cressman and Dunnigan</a:t>
+            </a:r>
+          </a:p>
+        </p:txBody>
+      </p:sp>
+      <p:sp>
+        <p:nvSpPr>
+          <p:cNvPr id="6" name="Slide Number Placeholder 5">
+            <a:extLst>
+              <a:ext uri="{FF2B5EF4-FFF2-40B4-BE49-F238E27FC236}">
+                <a16:creationId xmlns:a16="http://schemas.microsoft.com/office/drawing/2014/main" id="{60E3B71E-2499-49E4-873B-6944C0775A62}"/>
+              </a:ext>
+            </a:extLst>
+          </p:cNvPr>
+          <p:cNvSpPr>
+            <a:spLocks noGrp="1"/>
+          </p:cNvSpPr>
+          <p:nvPr>
+            <p:ph type="sldNum" sz="quarter" idx="12"/>
+          </p:nvPr>
+        </p:nvSpPr>
+        <p:spPr/>
+        <p:txBody>
+          <a:bodyPr/>
+          <a:lstStyle/>
+          <a:p>
+            <a:fld id="{F1C6B191-D550-4A99-8ACB-75896EEB4A4C}" type="slidenum">
+              <a:rPr lang="en-US" smtClean="0"/>
+              <a:t>1</a:t>
+            </a:fld>
+            <a:endParaRPr lang="en-US"/>
+          </a:p>
+        </p:txBody>
+      </p:sp>
       <p:pic>
         <p:nvPicPr>
-          <p:cNvPr id="11" name="Picture 10">
-            <a:extLst>
-              <a:ext uri="{FF2B5EF4-FFF2-40B4-BE49-F238E27FC236}">
-                <a16:creationId xmlns:a16="http://schemas.microsoft.com/office/drawing/2014/main" id="{54FB21DB-24BA-4562-AE03-E915106EDC6B}"/>
+          <p:cNvPr id="9" name="Picture 8">
+            <a:extLst>
+              <a:ext uri="{FF2B5EF4-FFF2-40B4-BE49-F238E27FC236}">
+                <a16:creationId xmlns:a16="http://schemas.microsoft.com/office/drawing/2014/main" id="{4D160E5A-4492-473F-867B-A6FFC47B20BF}"/>
               </a:ext>
             </a:extLst>
           </p:cNvPr>
@@ -4619,63 +4676,6 @@
           </a:prstGeom>
         </p:spPr>
       </p:pic>
-      <p:sp>
-        <p:nvSpPr>
-          <p:cNvPr id="5" name="Footer Placeholder 4">
-            <a:extLst>
-              <a:ext uri="{FF2B5EF4-FFF2-40B4-BE49-F238E27FC236}">
-                <a16:creationId xmlns:a16="http://schemas.microsoft.com/office/drawing/2014/main" id="{82AB1D90-10F9-4710-A94A-48A44B14FDEA}"/>
-              </a:ext>
-            </a:extLst>
-          </p:cNvPr>
-          <p:cNvSpPr>
-            <a:spLocks noGrp="1"/>
-          </p:cNvSpPr>
-          <p:nvPr>
-            <p:ph type="ftr" sz="quarter" idx="11"/>
-          </p:nvPr>
-        </p:nvSpPr>
-        <p:spPr/>
-        <p:txBody>
-          <a:bodyPr/>
-          <a:lstStyle/>
-          <a:p>
-            <a:r>
-              <a:rPr lang="en-US"/>
-              <a:t>CERF 2019 | The Next Step with R | Cressman and Dunnigan</a:t>
-            </a:r>
-          </a:p>
-        </p:txBody>
-      </p:sp>
-      <p:sp>
-        <p:nvSpPr>
-          <p:cNvPr id="6" name="Slide Number Placeholder 5">
-            <a:extLst>
-              <a:ext uri="{FF2B5EF4-FFF2-40B4-BE49-F238E27FC236}">
-                <a16:creationId xmlns:a16="http://schemas.microsoft.com/office/drawing/2014/main" id="{60E3B71E-2499-49E4-873B-6944C0775A62}"/>
-              </a:ext>
-            </a:extLst>
-          </p:cNvPr>
-          <p:cNvSpPr>
-            <a:spLocks noGrp="1"/>
-          </p:cNvSpPr>
-          <p:nvPr>
-            <p:ph type="sldNum" sz="quarter" idx="12"/>
-          </p:nvPr>
-        </p:nvSpPr>
-        <p:spPr/>
-        <p:txBody>
-          <a:bodyPr/>
-          <a:lstStyle/>
-          <a:p>
-            <a:fld id="{F1C6B191-D550-4A99-8ACB-75896EEB4A4C}" type="slidenum">
-              <a:rPr lang="en-US" smtClean="0"/>
-              <a:t>1</a:t>
-            </a:fld>
-            <a:endParaRPr lang="en-US"/>
-          </a:p>
-        </p:txBody>
-      </p:sp>
     </p:spTree>
     <p:extLst>
       <p:ext uri="{BB962C8B-B14F-4D97-AF65-F5344CB8AC3E}">
@@ -4791,7 +4791,7 @@
                   </a:schemeClr>
                 </a:solidFill>
               </a:rPr>
-              <a:t>Use and IDE (integrated development environment), like RStudio</a:t>
+              <a:t>Use an IDE (integrated development environment), like RStudio</a:t>
             </a:r>
           </a:p>
           <a:p>
@@ -5154,7 +5154,7 @@
                   </a:schemeClr>
                 </a:solidFill>
               </a:rPr>
-              <a:t>Use and IDE (integrated development environment), like RStudio</a:t>
+              <a:t>Use an IDE (integrated development environment), like RStudio</a:t>
             </a:r>
           </a:p>
           <a:p>
@@ -5601,7 +5601,7 @@
                   </a:schemeClr>
                 </a:solidFill>
               </a:rPr>
-              <a:t>Use and IDE (integrated development environment), like RStudio</a:t>
+              <a:t>Use an IDE (integrated development environment), like RStudio</a:t>
             </a:r>
           </a:p>
           <a:p>
@@ -7060,7 +7060,7 @@
             </a:pPr>
             <a:r>
               <a:rPr lang="en-US" dirty="0"/>
-              <a:t>Use and IDE (integrated development environment), like RStudio</a:t>
+              <a:t>Use an IDE (integrated development environment), like RStudio</a:t>
             </a:r>
           </a:p>
         </p:txBody>
@@ -7237,7 +7237,7 @@
                   </a:schemeClr>
                 </a:solidFill>
               </a:rPr>
-              <a:t>Use and IDE (integrated development environment), like RStudio</a:t>
+              <a:t>Use an IDE (integrated development environment), like RStudio</a:t>
             </a:r>
           </a:p>
           <a:p>
@@ -7424,7 +7424,7 @@
                   </a:schemeClr>
                 </a:solidFill>
               </a:rPr>
-              <a:t>Use and IDE (integrated development environment), like RStudio</a:t>
+              <a:t>Use an IDE (integrated development environment), like RStudio</a:t>
             </a:r>
           </a:p>
           <a:p>

--- a/slides/00_Introduction.pptx
+++ b/slides/00_Introduction.pptx
@@ -10,7 +10,7 @@
   <p:sldIdLst>
     <p:sldId id="256" r:id="rId2"/>
     <p:sldId id="257" r:id="rId3"/>
-    <p:sldId id="259" r:id="rId4"/>
+    <p:sldId id="272" r:id="rId4"/>
     <p:sldId id="260" r:id="rId5"/>
     <p:sldId id="261" r:id="rId6"/>
     <p:sldId id="262" r:id="rId7"/>
@@ -210,7 +210,7 @@
           <a:p>
             <a:fld id="{1E5C4FCB-B746-4C4C-A9B7-8031E0AED39D}" type="datetimeFigureOut">
               <a:rPr lang="en-US" smtClean="0"/>
-              <a:t>10/16/2019</a:t>
+              <a:t>10/23/2019</a:t>
             </a:fld>
             <a:endParaRPr lang="en-US"/>
           </a:p>
@@ -1129,7 +1129,7 @@
           <a:p>
             <a:fld id="{20D5C61A-5CFD-4F71-B95C-19791C96A879}" type="datetime1">
               <a:rPr lang="en-US" smtClean="0"/>
-              <a:t>10/16/2019</a:t>
+              <a:t>10/23/2019</a:t>
             </a:fld>
             <a:endParaRPr lang="en-US"/>
           </a:p>
@@ -1330,7 +1330,7 @@
           <a:p>
             <a:fld id="{D4CD7D6E-FC46-4A12-A6C3-8129F8B1368D}" type="datetime1">
               <a:rPr lang="en-US" smtClean="0"/>
-              <a:t>10/16/2019</a:t>
+              <a:t>10/23/2019</a:t>
             </a:fld>
             <a:endParaRPr lang="en-US"/>
           </a:p>
@@ -1541,7 +1541,7 @@
           <a:p>
             <a:fld id="{1DDFA410-B7A1-4F49-BCA0-ECCFDD861EDA}" type="datetime1">
               <a:rPr lang="en-US" smtClean="0"/>
-              <a:t>10/16/2019</a:t>
+              <a:t>10/23/2019</a:t>
             </a:fld>
             <a:endParaRPr lang="en-US"/>
           </a:p>
@@ -1742,7 +1742,7 @@
           <a:p>
             <a:fld id="{7DB4B2D1-4419-4F8E-BF16-436632790C10}" type="datetime1">
               <a:rPr lang="en-US" smtClean="0"/>
-              <a:t>10/16/2019</a:t>
+              <a:t>10/23/2019</a:t>
             </a:fld>
             <a:endParaRPr lang="en-US"/>
           </a:p>
@@ -2020,7 +2020,7 @@
           <a:p>
             <a:fld id="{DD5A4F1C-AF24-4413-9AF7-5D2E8BD63B7A}" type="datetime1">
               <a:rPr lang="en-US" smtClean="0"/>
-              <a:t>10/16/2019</a:t>
+              <a:t>10/23/2019</a:t>
             </a:fld>
             <a:endParaRPr lang="en-US"/>
           </a:p>
@@ -2288,7 +2288,7 @@
           <a:p>
             <a:fld id="{A30C4107-E5BF-4897-8B7F-7818781B2BEF}" type="datetime1">
               <a:rPr lang="en-US" smtClean="0"/>
-              <a:t>10/16/2019</a:t>
+              <a:t>10/23/2019</a:t>
             </a:fld>
             <a:endParaRPr lang="en-US"/>
           </a:p>
@@ -2703,7 +2703,7 @@
           <a:p>
             <a:fld id="{94B7E4A7-AF5C-43D4-B525-193EDF4CF928}" type="datetime1">
               <a:rPr lang="en-US" smtClean="0"/>
-              <a:t>10/16/2019</a:t>
+              <a:t>10/23/2019</a:t>
             </a:fld>
             <a:endParaRPr lang="en-US"/>
           </a:p>
@@ -2847,7 +2847,7 @@
           <a:p>
             <a:fld id="{16171D16-98A7-4147-8F21-548CB1F5A2CB}" type="datetime1">
               <a:rPr lang="en-US" smtClean="0"/>
-              <a:t>10/16/2019</a:t>
+              <a:t>10/23/2019</a:t>
             </a:fld>
             <a:endParaRPr lang="en-US"/>
           </a:p>
@@ -2963,7 +2963,7 @@
           <a:p>
             <a:fld id="{2BFC181B-AF2C-4698-833D-9791346A0D31}" type="datetime1">
               <a:rPr lang="en-US" smtClean="0"/>
-              <a:t>10/16/2019</a:t>
+              <a:t>10/23/2019</a:t>
             </a:fld>
             <a:endParaRPr lang="en-US"/>
           </a:p>
@@ -3277,7 +3277,7 @@
           <a:p>
             <a:fld id="{415F48C5-B639-4D35-B8B9-E2201BDB316A}" type="datetime1">
               <a:rPr lang="en-US" smtClean="0"/>
-              <a:t>10/16/2019</a:t>
+              <a:t>10/23/2019</a:t>
             </a:fld>
             <a:endParaRPr lang="en-US"/>
           </a:p>
@@ -3568,7 +3568,7 @@
           <a:p>
             <a:fld id="{3F590B41-551D-4AEE-A188-C74BAB065259}" type="datetime1">
               <a:rPr lang="en-US" smtClean="0"/>
-              <a:t>10/16/2019</a:t>
+              <a:t>10/23/2019</a:t>
             </a:fld>
             <a:endParaRPr lang="en-US"/>
           </a:p>
@@ -3812,7 +3812,7 @@
           <a:p>
             <a:fld id="{DA4D72AF-D22F-4C9E-9728-19507CB6CEA6}" type="datetime1">
               <a:rPr lang="en-US" smtClean="0"/>
-              <a:t>10/16/2019</a:t>
+              <a:t>10/23/2019</a:t>
             </a:fld>
             <a:endParaRPr lang="en-US"/>
           </a:p>
@@ -6235,7 +6235,7 @@
           <p:cNvPr id="2" name="Title 1">
             <a:extLst>
               <a:ext uri="{FF2B5EF4-FFF2-40B4-BE49-F238E27FC236}">
-                <a16:creationId xmlns:a16="http://schemas.microsoft.com/office/drawing/2014/main" id="{8044A367-7CAE-42F8-97F5-532C7A59E738}"/>
+                <a16:creationId xmlns:a16="http://schemas.microsoft.com/office/drawing/2014/main" id="{BEA73410-D14D-4CC2-9E83-5756C75F2D96}"/>
               </a:ext>
             </a:extLst>
           </p:cNvPr>
@@ -6253,7 +6253,7 @@
           <a:p>
             <a:r>
               <a:rPr lang="en-US" dirty="0"/>
-              <a:t>Explain Sticky Notes….</a:t>
+              <a:t>How today will go…</a:t>
             </a:r>
           </a:p>
         </p:txBody>
@@ -6263,7 +6263,7 @@
           <p:cNvPr id="3" name="Text Placeholder 2">
             <a:extLst>
               <a:ext uri="{FF2B5EF4-FFF2-40B4-BE49-F238E27FC236}">
-                <a16:creationId xmlns:a16="http://schemas.microsoft.com/office/drawing/2014/main" id="{2620696D-7D36-44DF-AD56-3937B8D827A1}"/>
+                <a16:creationId xmlns:a16="http://schemas.microsoft.com/office/drawing/2014/main" id="{D6E04BAE-B8C1-45E9-814A-A90B5648C3DD}"/>
               </a:ext>
             </a:extLst>
           </p:cNvPr>
@@ -6279,7 +6279,18 @@
           <a:bodyPr/>
           <a:lstStyle/>
           <a:p>
-            <a:endParaRPr lang="en-US"/>
+            <a:r>
+              <a:rPr lang="en-US" dirty="0"/>
+              <a:t>Sticky notes, </a:t>
+            </a:r>
+            <a:r>
+              <a:rPr lang="en-US" dirty="0" err="1"/>
+              <a:t>Rmarkdowns</a:t>
+            </a:r>
+            <a:r>
+              <a:rPr lang="en-US" dirty="0"/>
+              <a:t>, PowerPoint &amp; live coding, “your turns”, mini-challenges, and neighborly collaboration is encouraged!</a:t>
+            </a:r>
           </a:p>
         </p:txBody>
       </p:sp>
@@ -6288,7 +6299,7 @@
           <p:cNvPr id="4" name="Footer Placeholder 3">
             <a:extLst>
               <a:ext uri="{FF2B5EF4-FFF2-40B4-BE49-F238E27FC236}">
-                <a16:creationId xmlns:a16="http://schemas.microsoft.com/office/drawing/2014/main" id="{6768BAA7-989D-48F5-ACE5-87470460127C}"/>
+                <a16:creationId xmlns:a16="http://schemas.microsoft.com/office/drawing/2014/main" id="{F6C7E685-7447-4800-B5FE-F1931F238C50}"/>
               </a:ext>
             </a:extLst>
           </p:cNvPr>
@@ -6316,7 +6327,7 @@
           <p:cNvPr id="5" name="Slide Number Placeholder 4">
             <a:extLst>
               <a:ext uri="{FF2B5EF4-FFF2-40B4-BE49-F238E27FC236}">
-                <a16:creationId xmlns:a16="http://schemas.microsoft.com/office/drawing/2014/main" id="{CDD7877C-BB01-44F0-A0C7-F02930DFF511}"/>
+                <a16:creationId xmlns:a16="http://schemas.microsoft.com/office/drawing/2014/main" id="{5F5E0192-B40B-41A6-A29E-C2CC26081F05}"/>
               </a:ext>
             </a:extLst>
           </p:cNvPr>
@@ -6343,7 +6354,7 @@
     </p:spTree>
     <p:extLst>
       <p:ext uri="{BB962C8B-B14F-4D97-AF65-F5344CB8AC3E}">
-        <p14:creationId xmlns:p14="http://schemas.microsoft.com/office/powerpoint/2010/main" val="1593070022"/>
+        <p14:creationId xmlns:p14="http://schemas.microsoft.com/office/powerpoint/2010/main" val="2932185614"/>
       </p:ext>
     </p:extLst>
   </p:cSld>

--- a/slides/00_Introduction.pptx
+++ b/slides/00_Introduction.pptx
@@ -210,7 +210,7 @@
           <a:p>
             <a:fld id="{1E5C4FCB-B746-4C4C-A9B7-8031E0AED39D}" type="datetimeFigureOut">
               <a:rPr lang="en-US" smtClean="0"/>
-              <a:t>10/23/2019</a:t>
+              <a:t>10/24/2019</a:t>
             </a:fld>
             <a:endParaRPr lang="en-US"/>
           </a:p>
@@ -713,6 +713,198 @@
           <a:lstStyle/>
           <a:p>
             <a:r>
+              <a:rPr lang="en-US" sz="1200" b="0" i="0" kern="1200" dirty="0">
+                <a:solidFill>
+                  <a:schemeClr val="tx1"/>
+                </a:solidFill>
+                <a:effectLst/>
+                <a:latin typeface="+mn-lt"/>
+                <a:ea typeface="+mn-ea"/>
+                <a:cs typeface="+mn-cs"/>
+              </a:rPr>
+              <a:t>There’s nothing worse than discovering three months after the fact that you’ve only stored the results of an important calculation in your workspace, not the calculation itself in your code.</a:t>
+            </a:r>
+            <a:endParaRPr lang="en-US" dirty="0"/>
+          </a:p>
+        </p:txBody>
+      </p:sp>
+      <p:sp>
+        <p:nvSpPr>
+          <p:cNvPr id="4" name="Slide Number Placeholder 3"/>
+          <p:cNvSpPr>
+            <a:spLocks noGrp="1"/>
+          </p:cNvSpPr>
+          <p:nvPr>
+            <p:ph type="sldNum" sz="quarter" idx="5"/>
+          </p:nvPr>
+        </p:nvSpPr>
+        <p:spPr/>
+        <p:txBody>
+          <a:bodyPr/>
+          <a:lstStyle/>
+          <a:p>
+            <a:fld id="{3FB76516-566F-49EB-BABD-FB9F24C816BA}" type="slidenum">
+              <a:rPr lang="en-US" smtClean="0"/>
+              <a:t>6</a:t>
+            </a:fld>
+            <a:endParaRPr lang="en-US"/>
+          </a:p>
+        </p:txBody>
+      </p:sp>
+    </p:spTree>
+    <p:extLst>
+      <p:ext uri="{BB962C8B-B14F-4D97-AF65-F5344CB8AC3E}">
+        <p14:creationId xmlns:p14="http://schemas.microsoft.com/office/powerpoint/2010/main" val="3972560761"/>
+      </p:ext>
+    </p:extLst>
+  </p:cSld>
+  <p:clrMapOvr>
+    <a:masterClrMapping/>
+  </p:clrMapOvr>
+</p:notes>
+</file>
+
+<file path=ppt/notesSlides/notesSlide3.xml><?xml version="1.0" encoding="utf-8"?>
+<p:notes xmlns:a="http://schemas.openxmlformats.org/drawingml/2006/main" xmlns:r="http://schemas.openxmlformats.org/officeDocument/2006/relationships" xmlns:p="http://schemas.openxmlformats.org/presentationml/2006/main">
+  <p:cSld>
+    <p:spTree>
+      <p:nvGrpSpPr>
+        <p:cNvPr id="1" name=""/>
+        <p:cNvGrpSpPr/>
+        <p:nvPr/>
+      </p:nvGrpSpPr>
+      <p:grpSpPr>
+        <a:xfrm>
+          <a:off x="0" y="0"/>
+          <a:ext cx="0" cy="0"/>
+          <a:chOff x="0" y="0"/>
+          <a:chExt cx="0" cy="0"/>
+        </a:xfrm>
+      </p:grpSpPr>
+      <p:sp>
+        <p:nvSpPr>
+          <p:cNvPr id="2" name="Slide Image Placeholder 1"/>
+          <p:cNvSpPr>
+            <a:spLocks noGrp="1" noRot="1" noChangeAspect="1"/>
+          </p:cNvSpPr>
+          <p:nvPr>
+            <p:ph type="sldImg"/>
+          </p:nvPr>
+        </p:nvSpPr>
+        <p:spPr/>
+      </p:sp>
+      <p:sp>
+        <p:nvSpPr>
+          <p:cNvPr id="3" name="Notes Placeholder 2"/>
+          <p:cNvSpPr>
+            <a:spLocks noGrp="1"/>
+          </p:cNvSpPr>
+          <p:nvPr>
+            <p:ph type="body" idx="1"/>
+          </p:nvPr>
+        </p:nvSpPr>
+        <p:spPr/>
+        <p:txBody>
+          <a:bodyPr/>
+          <a:lstStyle/>
+          <a:p>
+            <a:r>
+              <a:rPr lang="en-US" sz="1200" b="0" i="0" kern="1200">
+                <a:solidFill>
+                  <a:schemeClr val="tx1"/>
+                </a:solidFill>
+                <a:effectLst/>
+                <a:latin typeface="+mn-lt"/>
+                <a:ea typeface="+mn-ea"/>
+                <a:cs typeface="+mn-cs"/>
+              </a:rPr>
+              <a:t>Everything you need is in one place, and cleanly separated from all the other projects that you are working on.</a:t>
+            </a:r>
+            <a:endParaRPr lang="en-US" dirty="0"/>
+          </a:p>
+        </p:txBody>
+      </p:sp>
+      <p:sp>
+        <p:nvSpPr>
+          <p:cNvPr id="4" name="Slide Number Placeholder 3"/>
+          <p:cNvSpPr>
+            <a:spLocks noGrp="1"/>
+          </p:cNvSpPr>
+          <p:nvPr>
+            <p:ph type="sldNum" sz="quarter" idx="5"/>
+          </p:nvPr>
+        </p:nvSpPr>
+        <p:spPr/>
+        <p:txBody>
+          <a:bodyPr/>
+          <a:lstStyle/>
+          <a:p>
+            <a:fld id="{3FB76516-566F-49EB-BABD-FB9F24C816BA}" type="slidenum">
+              <a:rPr lang="en-US" smtClean="0"/>
+              <a:t>8</a:t>
+            </a:fld>
+            <a:endParaRPr lang="en-US"/>
+          </a:p>
+        </p:txBody>
+      </p:sp>
+    </p:spTree>
+    <p:extLst>
+      <p:ext uri="{BB962C8B-B14F-4D97-AF65-F5344CB8AC3E}">
+        <p14:creationId xmlns:p14="http://schemas.microsoft.com/office/powerpoint/2010/main" val="4019572133"/>
+      </p:ext>
+    </p:extLst>
+  </p:cSld>
+  <p:clrMapOvr>
+    <a:masterClrMapping/>
+  </p:clrMapOvr>
+</p:notes>
+</file>
+
+<file path=ppt/notesSlides/notesSlide4.xml><?xml version="1.0" encoding="utf-8"?>
+<p:notes xmlns:a="http://schemas.openxmlformats.org/drawingml/2006/main" xmlns:r="http://schemas.openxmlformats.org/officeDocument/2006/relationships" xmlns:p="http://schemas.openxmlformats.org/presentationml/2006/main">
+  <p:cSld>
+    <p:spTree>
+      <p:nvGrpSpPr>
+        <p:cNvPr id="1" name=""/>
+        <p:cNvGrpSpPr/>
+        <p:nvPr/>
+      </p:nvGrpSpPr>
+      <p:grpSpPr>
+        <a:xfrm>
+          <a:off x="0" y="0"/>
+          <a:ext cx="0" cy="0"/>
+          <a:chOff x="0" y="0"/>
+          <a:chExt cx="0" cy="0"/>
+        </a:xfrm>
+      </p:grpSpPr>
+      <p:sp>
+        <p:nvSpPr>
+          <p:cNvPr id="2" name="Slide Image Placeholder 1"/>
+          <p:cNvSpPr>
+            <a:spLocks noGrp="1" noRot="1" noChangeAspect="1"/>
+          </p:cNvSpPr>
+          <p:nvPr>
+            <p:ph type="sldImg"/>
+          </p:nvPr>
+        </p:nvSpPr>
+        <p:spPr/>
+      </p:sp>
+      <p:sp>
+        <p:nvSpPr>
+          <p:cNvPr id="3" name="Notes Placeholder 2"/>
+          <p:cNvSpPr>
+            <a:spLocks noGrp="1"/>
+          </p:cNvSpPr>
+          <p:nvPr>
+            <p:ph type="body" idx="1"/>
+          </p:nvPr>
+        </p:nvSpPr>
+        <p:spPr/>
+        <p:txBody>
+          <a:bodyPr/>
+          <a:lstStyle/>
+          <a:p>
+            <a:r>
               <a:rPr lang="en-US" dirty="0"/>
               <a:t>We love:</a:t>
             </a:r>
@@ -862,7 +1054,7 @@
 </p:notes>
 </file>
 
-<file path=ppt/notesSlides/notesSlide3.xml><?xml version="1.0" encoding="utf-8"?>
+<file path=ppt/notesSlides/notesSlide5.xml><?xml version="1.0" encoding="utf-8"?>
 <p:notes xmlns:a="http://schemas.openxmlformats.org/drawingml/2006/main" xmlns:r="http://schemas.openxmlformats.org/officeDocument/2006/relationships" xmlns:p="http://schemas.openxmlformats.org/presentationml/2006/main">
   <p:cSld>
     <p:spTree>
@@ -1129,7 +1321,7 @@
           <a:p>
             <a:fld id="{20D5C61A-5CFD-4F71-B95C-19791C96A879}" type="datetime1">
               <a:rPr lang="en-US" smtClean="0"/>
-              <a:t>10/23/2019</a:t>
+              <a:t>10/24/2019</a:t>
             </a:fld>
             <a:endParaRPr lang="en-US"/>
           </a:p>
@@ -1330,7 +1522,7 @@
           <a:p>
             <a:fld id="{D4CD7D6E-FC46-4A12-A6C3-8129F8B1368D}" type="datetime1">
               <a:rPr lang="en-US" smtClean="0"/>
-              <a:t>10/23/2019</a:t>
+              <a:t>10/24/2019</a:t>
             </a:fld>
             <a:endParaRPr lang="en-US"/>
           </a:p>
@@ -1541,7 +1733,7 @@
           <a:p>
             <a:fld id="{1DDFA410-B7A1-4F49-BCA0-ECCFDD861EDA}" type="datetime1">
               <a:rPr lang="en-US" smtClean="0"/>
-              <a:t>10/23/2019</a:t>
+              <a:t>10/24/2019</a:t>
             </a:fld>
             <a:endParaRPr lang="en-US"/>
           </a:p>
@@ -1742,7 +1934,7 @@
           <a:p>
             <a:fld id="{7DB4B2D1-4419-4F8E-BF16-436632790C10}" type="datetime1">
               <a:rPr lang="en-US" smtClean="0"/>
-              <a:t>10/23/2019</a:t>
+              <a:t>10/24/2019</a:t>
             </a:fld>
             <a:endParaRPr lang="en-US"/>
           </a:p>
@@ -2020,7 +2212,7 @@
           <a:p>
             <a:fld id="{DD5A4F1C-AF24-4413-9AF7-5D2E8BD63B7A}" type="datetime1">
               <a:rPr lang="en-US" smtClean="0"/>
-              <a:t>10/23/2019</a:t>
+              <a:t>10/24/2019</a:t>
             </a:fld>
             <a:endParaRPr lang="en-US"/>
           </a:p>
@@ -2288,7 +2480,7 @@
           <a:p>
             <a:fld id="{A30C4107-E5BF-4897-8B7F-7818781B2BEF}" type="datetime1">
               <a:rPr lang="en-US" smtClean="0"/>
-              <a:t>10/23/2019</a:t>
+              <a:t>10/24/2019</a:t>
             </a:fld>
             <a:endParaRPr lang="en-US"/>
           </a:p>
@@ -2703,7 +2895,7 @@
           <a:p>
             <a:fld id="{94B7E4A7-AF5C-43D4-B525-193EDF4CF928}" type="datetime1">
               <a:rPr lang="en-US" smtClean="0"/>
-              <a:t>10/23/2019</a:t>
+              <a:t>10/24/2019</a:t>
             </a:fld>
             <a:endParaRPr lang="en-US"/>
           </a:p>
@@ -2847,7 +3039,7 @@
           <a:p>
             <a:fld id="{16171D16-98A7-4147-8F21-548CB1F5A2CB}" type="datetime1">
               <a:rPr lang="en-US" smtClean="0"/>
-              <a:t>10/23/2019</a:t>
+              <a:t>10/24/2019</a:t>
             </a:fld>
             <a:endParaRPr lang="en-US"/>
           </a:p>
@@ -2963,7 +3155,7 @@
           <a:p>
             <a:fld id="{2BFC181B-AF2C-4698-833D-9791346A0D31}" type="datetime1">
               <a:rPr lang="en-US" smtClean="0"/>
-              <a:t>10/23/2019</a:t>
+              <a:t>10/24/2019</a:t>
             </a:fld>
             <a:endParaRPr lang="en-US"/>
           </a:p>
@@ -3277,7 +3469,7 @@
           <a:p>
             <a:fld id="{415F48C5-B639-4D35-B8B9-E2201BDB316A}" type="datetime1">
               <a:rPr lang="en-US" smtClean="0"/>
-              <a:t>10/23/2019</a:t>
+              <a:t>10/24/2019</a:t>
             </a:fld>
             <a:endParaRPr lang="en-US"/>
           </a:p>
@@ -3568,7 +3760,7 @@
           <a:p>
             <a:fld id="{3F590B41-551D-4AEE-A188-C74BAB065259}" type="datetime1">
               <a:rPr lang="en-US" smtClean="0"/>
-              <a:t>10/23/2019</a:t>
+              <a:t>10/24/2019</a:t>
             </a:fld>
             <a:endParaRPr lang="en-US"/>
           </a:p>
@@ -3812,7 +4004,7 @@
           <a:p>
             <a:fld id="{DA4D72AF-D22F-4C9E-9728-19507CB6CEA6}" type="datetime1">
               <a:rPr lang="en-US" smtClean="0"/>
-              <a:t>10/23/2019</a:t>
+              <a:t>10/24/2019</a:t>
             </a:fld>
             <a:endParaRPr lang="en-US"/>
           </a:p>

--- a/slides/00_Introduction.pptx
+++ b/slides/00_Introduction.pptx
@@ -5,23 +5,25 @@
     <p:sldMasterId id="2147483648" r:id="rId1"/>
   </p:sldMasterIdLst>
   <p:notesMasterIdLst>
-    <p:notesMasterId r:id="rId16"/>
+    <p:notesMasterId r:id="rId18"/>
   </p:notesMasterIdLst>
   <p:sldIdLst>
     <p:sldId id="256" r:id="rId2"/>
     <p:sldId id="257" r:id="rId3"/>
     <p:sldId id="272" r:id="rId4"/>
-    <p:sldId id="260" r:id="rId5"/>
-    <p:sldId id="261" r:id="rId6"/>
-    <p:sldId id="262" r:id="rId7"/>
-    <p:sldId id="263" r:id="rId8"/>
-    <p:sldId id="264" r:id="rId9"/>
-    <p:sldId id="265" r:id="rId10"/>
-    <p:sldId id="266" r:id="rId11"/>
-    <p:sldId id="267" r:id="rId12"/>
-    <p:sldId id="269" r:id="rId13"/>
-    <p:sldId id="270" r:id="rId14"/>
-    <p:sldId id="271" r:id="rId15"/>
+    <p:sldId id="273" r:id="rId5"/>
+    <p:sldId id="274" r:id="rId6"/>
+    <p:sldId id="260" r:id="rId7"/>
+    <p:sldId id="261" r:id="rId8"/>
+    <p:sldId id="262" r:id="rId9"/>
+    <p:sldId id="263" r:id="rId10"/>
+    <p:sldId id="264" r:id="rId11"/>
+    <p:sldId id="265" r:id="rId12"/>
+    <p:sldId id="266" r:id="rId13"/>
+    <p:sldId id="267" r:id="rId14"/>
+    <p:sldId id="269" r:id="rId15"/>
+    <p:sldId id="270" r:id="rId16"/>
+    <p:sldId id="271" r:id="rId17"/>
   </p:sldIdLst>
   <p:sldSz cx="12192000" cy="6858000"/>
   <p:notesSz cx="6858000" cy="9144000"/>
@@ -210,7 +212,7 @@
           <a:p>
             <a:fld id="{1E5C4FCB-B746-4C4C-A9B7-8031E0AED39D}" type="datetimeFigureOut">
               <a:rPr lang="en-US" smtClean="0"/>
-              <a:t>10/24/2019</a:t>
+              <a:t>10/28/2019</a:t>
             </a:fld>
             <a:endParaRPr lang="en-US"/>
           </a:p>
@@ -521,110 +523,34 @@
           <a:bodyPr/>
           <a:lstStyle/>
           <a:p>
-            <a:endParaRPr lang="en-US" b="0" dirty="0">
-              <a:effectLst/>
-            </a:endParaRPr>
-          </a:p>
-          <a:p>
-            <a:pPr lvl="1" rtl="0" fontAlgn="base"/>
-            <a:r>
-              <a:rPr lang="en-US" sz="1200" b="0" i="0" u="none" strike="noStrike" kern="1200" dirty="0">
-                <a:solidFill>
-                  <a:schemeClr val="tx1"/>
-                </a:solidFill>
-                <a:effectLst/>
-                <a:latin typeface="+mn-lt"/>
-                <a:ea typeface="+mn-ea"/>
-                <a:cs typeface="+mn-cs"/>
-              </a:rPr>
-              <a:t>The purpose of this workshop is to really improve your knowledge of R and to  help provide you with tools to use it in your daily workflow. </a:t>
-            </a:r>
-          </a:p>
-          <a:p>
-            <a:pPr lvl="1" rtl="0" fontAlgn="base"/>
-            <a:r>
-              <a:rPr lang="en-US" sz="1200" b="0" i="0" u="none" strike="noStrike" kern="1200" dirty="0">
-                <a:solidFill>
-                  <a:schemeClr val="tx1"/>
-                </a:solidFill>
-                <a:effectLst/>
-                <a:latin typeface="+mn-lt"/>
-                <a:ea typeface="+mn-ea"/>
-                <a:cs typeface="+mn-cs"/>
-              </a:rPr>
-              <a:t>You will learn to automate daily tasks, manage data in a reproducible framework (using </a:t>
-            </a:r>
-            <a:r>
-              <a:rPr lang="en-US" sz="1200" b="0" i="0" u="none" strike="noStrike" kern="1200" dirty="0" err="1">
-                <a:solidFill>
-                  <a:schemeClr val="tx1"/>
-                </a:solidFill>
-                <a:effectLst/>
-                <a:latin typeface="+mn-lt"/>
-                <a:ea typeface="+mn-ea"/>
-                <a:cs typeface="+mn-cs"/>
-              </a:rPr>
-              <a:t>tidyverse</a:t>
-            </a:r>
-            <a:r>
-              <a:rPr lang="en-US" sz="1200" b="0" i="0" u="none" strike="noStrike" kern="1200" dirty="0">
-                <a:solidFill>
-                  <a:schemeClr val="tx1"/>
-                </a:solidFill>
-                <a:effectLst/>
-                <a:latin typeface="+mn-lt"/>
-                <a:ea typeface="+mn-ea"/>
-                <a:cs typeface="+mn-cs"/>
-              </a:rPr>
-              <a:t> R packages </a:t>
-            </a:r>
-            <a:r>
-              <a:rPr lang="en-US" sz="1200" b="0" i="0" u="none" strike="noStrike" kern="1200" dirty="0" err="1">
-                <a:solidFill>
-                  <a:schemeClr val="tx1"/>
-                </a:solidFill>
-                <a:effectLst/>
-                <a:latin typeface="+mn-lt"/>
-                <a:ea typeface="+mn-ea"/>
-                <a:cs typeface="+mn-cs"/>
-              </a:rPr>
-              <a:t>dplyr</a:t>
-            </a:r>
-            <a:r>
-              <a:rPr lang="en-US" sz="1200" b="0" i="0" u="none" strike="noStrike" kern="1200" dirty="0">
-                <a:solidFill>
-                  <a:schemeClr val="tx1"/>
-                </a:solidFill>
-                <a:effectLst/>
-                <a:latin typeface="+mn-lt"/>
-                <a:ea typeface="+mn-ea"/>
-                <a:cs typeface="+mn-cs"/>
-              </a:rPr>
-              <a:t> and </a:t>
-            </a:r>
-            <a:r>
-              <a:rPr lang="en-US" sz="1200" b="0" i="0" u="none" strike="noStrike" kern="1200" dirty="0" err="1">
-                <a:solidFill>
-                  <a:schemeClr val="tx1"/>
-                </a:solidFill>
-                <a:effectLst/>
-                <a:latin typeface="+mn-lt"/>
-                <a:ea typeface="+mn-ea"/>
-                <a:cs typeface="+mn-cs"/>
-              </a:rPr>
-              <a:t>tidyr</a:t>
-            </a:r>
-            <a:r>
-              <a:rPr lang="en-US" sz="1200" b="0" i="0" u="none" strike="noStrike" kern="1200" dirty="0">
-                <a:solidFill>
-                  <a:schemeClr val="tx1"/>
-                </a:solidFill>
-                <a:effectLst/>
-                <a:latin typeface="+mn-lt"/>
-                <a:ea typeface="+mn-ea"/>
-                <a:cs typeface="+mn-cs"/>
-              </a:rPr>
-              <a:t>), make publication ready graphs (using R package ggplot2), and write functions during the course of this workshop.</a:t>
+            <a:pPr marL="0" marR="0" lvl="0" indent="0" algn="l" defTabSz="914400" rtl="0" eaLnBrk="1" fontAlgn="auto" latinLnBrk="0" hangingPunct="1">
+              <a:lnSpc>
+                <a:spcPct val="100000"/>
+              </a:lnSpc>
+              <a:spcBef>
+                <a:spcPts val="0"/>
+              </a:spcBef>
+              <a:spcAft>
+                <a:spcPts val="0"/>
+              </a:spcAft>
+              <a:buClrTx/>
+              <a:buSzTx/>
+              <a:buFontTx/>
+              <a:buNone/>
+              <a:tabLst/>
+              <a:defRPr/>
+            </a:pPr>
+            <a:r>
+              <a:rPr lang="en-US" dirty="0"/>
+              <a:t>Sticky notes, </a:t>
+            </a:r>
+            <a:r>
+              <a:rPr lang="en-US" dirty="0" err="1"/>
+              <a:t>Rmarkdowns</a:t>
+            </a:r>
+            <a:r>
+              <a:rPr lang="en-US" dirty="0"/>
+              <a:t>, PowerPoint &amp; live coding, “your turns”, mini-challenges, and neighborly collaboration is encouraged!</a:t>
             </a:r>
           </a:p>
           <a:p>
@@ -649,7 +575,7 @@
           <a:p>
             <a:fld id="{3FB76516-566F-49EB-BABD-FB9F24C816BA}" type="slidenum">
               <a:rPr lang="en-US" smtClean="0"/>
-              <a:t>4</a:t>
+              <a:t>3</a:t>
             </a:fld>
             <a:endParaRPr lang="en-US"/>
           </a:p>
@@ -658,7 +584,7 @@
     </p:spTree>
     <p:extLst>
       <p:ext uri="{BB962C8B-B14F-4D97-AF65-F5344CB8AC3E}">
-        <p14:creationId xmlns:p14="http://schemas.microsoft.com/office/powerpoint/2010/main" val="2666172568"/>
+        <p14:creationId xmlns:p14="http://schemas.microsoft.com/office/powerpoint/2010/main" val="2240931575"/>
       </p:ext>
     </p:extLst>
   </p:cSld>
@@ -712,8 +638,9 @@
           <a:bodyPr/>
           <a:lstStyle/>
           <a:p>
-            <a:r>
-              <a:rPr lang="en-US" sz="1200" b="0" i="0" kern="1200" dirty="0">
+            <a:pPr lvl="1" rtl="0" fontAlgn="base"/>
+            <a:r>
+              <a:rPr lang="en-US" sz="1200" b="0" i="0" u="none" strike="noStrike" kern="1200" dirty="0">
                 <a:solidFill>
                   <a:schemeClr val="tx1"/>
                 </a:solidFill>
@@ -722,8 +649,97 @@
                 <a:ea typeface="+mn-ea"/>
                 <a:cs typeface="+mn-cs"/>
               </a:rPr>
-              <a:t>There’s nothing worse than discovering three months after the fact that you’ve only stored the results of an important calculation in your workspace, not the calculation itself in your code.</a:t>
-            </a:r>
+              <a:t>The purpose of this workshop is to really improve your knowledge of R and to  help provide you with tools to use it in your daily workflow. </a:t>
+            </a:r>
+          </a:p>
+          <a:p>
+            <a:pPr lvl="1" rtl="0" fontAlgn="base"/>
+            <a:r>
+              <a:rPr lang="en-US" sz="1200" b="0" i="0" u="none" strike="noStrike" kern="1200" dirty="0">
+                <a:solidFill>
+                  <a:schemeClr val="tx1"/>
+                </a:solidFill>
+                <a:effectLst/>
+                <a:latin typeface="+mn-lt"/>
+                <a:ea typeface="+mn-ea"/>
+                <a:cs typeface="+mn-cs"/>
+              </a:rPr>
+              <a:t>You will learn to automate daily tasks, manage data in a reproducible framework (using </a:t>
+            </a:r>
+            <a:r>
+              <a:rPr lang="en-US" sz="1200" b="0" i="0" u="none" strike="noStrike" kern="1200" dirty="0" err="1">
+                <a:solidFill>
+                  <a:schemeClr val="tx1"/>
+                </a:solidFill>
+                <a:effectLst/>
+                <a:latin typeface="+mn-lt"/>
+                <a:ea typeface="+mn-ea"/>
+                <a:cs typeface="+mn-cs"/>
+              </a:rPr>
+              <a:t>tidyverse</a:t>
+            </a:r>
+            <a:r>
+              <a:rPr lang="en-US" sz="1200" b="0" i="0" u="none" strike="noStrike" kern="1200" dirty="0">
+                <a:solidFill>
+                  <a:schemeClr val="tx1"/>
+                </a:solidFill>
+                <a:effectLst/>
+                <a:latin typeface="+mn-lt"/>
+                <a:ea typeface="+mn-ea"/>
+                <a:cs typeface="+mn-cs"/>
+              </a:rPr>
+              <a:t> R packages </a:t>
+            </a:r>
+            <a:r>
+              <a:rPr lang="en-US" sz="1200" b="0" i="0" u="none" strike="noStrike" kern="1200" dirty="0" err="1">
+                <a:solidFill>
+                  <a:schemeClr val="tx1"/>
+                </a:solidFill>
+                <a:effectLst/>
+                <a:latin typeface="+mn-lt"/>
+                <a:ea typeface="+mn-ea"/>
+                <a:cs typeface="+mn-cs"/>
+              </a:rPr>
+              <a:t>dplyr</a:t>
+            </a:r>
+            <a:r>
+              <a:rPr lang="en-US" sz="1200" b="0" i="0" u="none" strike="noStrike" kern="1200" dirty="0">
+                <a:solidFill>
+                  <a:schemeClr val="tx1"/>
+                </a:solidFill>
+                <a:effectLst/>
+                <a:latin typeface="+mn-lt"/>
+                <a:ea typeface="+mn-ea"/>
+                <a:cs typeface="+mn-cs"/>
+              </a:rPr>
+              <a:t> and </a:t>
+            </a:r>
+            <a:r>
+              <a:rPr lang="en-US" sz="1200" b="0" i="0" u="none" strike="noStrike" kern="1200" dirty="0" err="1">
+                <a:solidFill>
+                  <a:schemeClr val="tx1"/>
+                </a:solidFill>
+                <a:effectLst/>
+                <a:latin typeface="+mn-lt"/>
+                <a:ea typeface="+mn-ea"/>
+                <a:cs typeface="+mn-cs"/>
+              </a:rPr>
+              <a:t>tidyr</a:t>
+            </a:r>
+            <a:r>
+              <a:rPr lang="en-US" sz="1200" b="0" i="0" u="none" strike="noStrike" kern="1200" dirty="0">
+                <a:solidFill>
+                  <a:schemeClr val="tx1"/>
+                </a:solidFill>
+                <a:effectLst/>
+                <a:latin typeface="+mn-lt"/>
+                <a:ea typeface="+mn-ea"/>
+                <a:cs typeface="+mn-cs"/>
+              </a:rPr>
+              <a:t>), make publication ready graphs (using R package ggplot2), and write functions during the course of this workshop.</a:t>
+            </a:r>
+          </a:p>
+          <a:p>
             <a:endParaRPr lang="en-US" dirty="0"/>
           </a:p>
         </p:txBody>
@@ -754,7 +770,7 @@
     </p:spTree>
     <p:extLst>
       <p:ext uri="{BB962C8B-B14F-4D97-AF65-F5344CB8AC3E}">
-        <p14:creationId xmlns:p14="http://schemas.microsoft.com/office/powerpoint/2010/main" val="3972560761"/>
+        <p14:creationId xmlns:p14="http://schemas.microsoft.com/office/powerpoint/2010/main" val="2666172568"/>
       </p:ext>
     </p:extLst>
   </p:cSld>
@@ -809,7 +825,7 @@
           <a:lstStyle/>
           <a:p>
             <a:r>
-              <a:rPr lang="en-US" sz="1200" b="0" i="0" kern="1200">
+              <a:rPr lang="en-US" sz="1200" b="0" i="0" kern="1200" dirty="0">
                 <a:solidFill>
                   <a:schemeClr val="tx1"/>
                 </a:solidFill>
@@ -818,7 +834,7 @@
                 <a:ea typeface="+mn-ea"/>
                 <a:cs typeface="+mn-cs"/>
               </a:rPr>
-              <a:t>Everything you need is in one place, and cleanly separated from all the other projects that you are working on.</a:t>
+              <a:t>There’s nothing worse than discovering three months after the fact that you’ve only stored the results of an important calculation in your workspace, not the calculation itself in your code.</a:t>
             </a:r>
             <a:endParaRPr lang="en-US" dirty="0"/>
           </a:p>
@@ -850,7 +866,7 @@
     </p:spTree>
     <p:extLst>
       <p:ext uri="{BB962C8B-B14F-4D97-AF65-F5344CB8AC3E}">
-        <p14:creationId xmlns:p14="http://schemas.microsoft.com/office/powerpoint/2010/main" val="4019572133"/>
+        <p14:creationId xmlns:p14="http://schemas.microsoft.com/office/powerpoint/2010/main" val="3972560761"/>
       </p:ext>
     </p:extLst>
   </p:cSld>
@@ -905,19 +921,7 @@
           <a:lstStyle/>
           <a:p>
             <a:r>
-              <a:rPr lang="en-US" dirty="0"/>
-              <a:t>We love:</a:t>
-            </a:r>
-          </a:p>
-          <a:p>
-            <a:endParaRPr lang="en-US" b="0" dirty="0">
-              <a:effectLst/>
-            </a:endParaRPr>
-          </a:p>
-          <a:p>
-            <a:pPr lvl="2" rtl="0" fontAlgn="base"/>
-            <a:r>
-              <a:rPr lang="en-US" sz="1200" b="0" i="0" u="none" strike="noStrike" kern="1200" dirty="0">
+              <a:rPr lang="en-US" sz="1200" b="0" i="0" kern="1200">
                 <a:solidFill>
                   <a:schemeClr val="tx1"/>
                 </a:solidFill>
@@ -926,94 +930,8 @@
                 <a:ea typeface="+mn-ea"/>
                 <a:cs typeface="+mn-cs"/>
               </a:rPr>
-              <a:t> alt -  for &lt;-</a:t>
-            </a:r>
-          </a:p>
-          <a:p>
-            <a:pPr lvl="2" rtl="0" fontAlgn="base"/>
-            <a:r>
-              <a:rPr lang="en-US" sz="1200" b="0" i="0" u="none" strike="noStrike" kern="1200" dirty="0">
-                <a:solidFill>
-                  <a:schemeClr val="tx1"/>
-                </a:solidFill>
-                <a:effectLst/>
-                <a:latin typeface="+mn-lt"/>
-                <a:ea typeface="+mn-ea"/>
-                <a:cs typeface="+mn-cs"/>
-              </a:rPr>
-              <a:t>ctrl enter  to run one or more lines</a:t>
-            </a:r>
-          </a:p>
-          <a:p>
-            <a:pPr lvl="2" rtl="0" fontAlgn="base"/>
-            <a:r>
-              <a:rPr lang="en-US" sz="1200" b="0" i="0" u="none" strike="noStrike" kern="1200" dirty="0">
-                <a:solidFill>
-                  <a:schemeClr val="tx1"/>
-                </a:solidFill>
-                <a:effectLst/>
-                <a:latin typeface="+mn-lt"/>
-                <a:ea typeface="+mn-ea"/>
-                <a:cs typeface="+mn-cs"/>
-              </a:rPr>
-              <a:t>ctrl shift m   for %&gt;%</a:t>
-            </a:r>
-          </a:p>
-          <a:p>
-            <a:pPr lvl="2" rtl="0" fontAlgn="base"/>
-            <a:r>
-              <a:rPr lang="en-US" sz="1200" b="0" i="0" u="none" strike="noStrike" kern="1200" dirty="0">
-                <a:solidFill>
-                  <a:schemeClr val="tx1"/>
-                </a:solidFill>
-                <a:effectLst/>
-                <a:latin typeface="+mn-lt"/>
-                <a:ea typeface="+mn-ea"/>
-                <a:cs typeface="+mn-cs"/>
-              </a:rPr>
-              <a:t>ctrl shift c    to comment/uncomment</a:t>
-            </a:r>
-          </a:p>
-          <a:p>
-            <a:pPr lvl="2" rtl="0" fontAlgn="base"/>
-            <a:r>
-              <a:rPr lang="en-US" sz="1200" b="0" i="0" u="none" strike="noStrike" kern="1200" dirty="0">
-                <a:solidFill>
-                  <a:schemeClr val="tx1"/>
-                </a:solidFill>
-                <a:effectLst/>
-                <a:latin typeface="+mn-lt"/>
-                <a:ea typeface="+mn-ea"/>
-                <a:cs typeface="+mn-cs"/>
-              </a:rPr>
-              <a:t>ctrl </a:t>
-            </a:r>
-            <a:r>
-              <a:rPr lang="en-US" sz="1200" b="0" i="0" u="none" strike="noStrike" kern="1200" dirty="0" err="1">
-                <a:solidFill>
-                  <a:schemeClr val="tx1"/>
-                </a:solidFill>
-                <a:effectLst/>
-                <a:latin typeface="+mn-lt"/>
-                <a:ea typeface="+mn-ea"/>
-                <a:cs typeface="+mn-cs"/>
-              </a:rPr>
-              <a:t>i</a:t>
-            </a:r>
-            <a:r>
-              <a:rPr lang="en-US" sz="1200" b="0" i="0" u="none" strike="noStrike" kern="1200" dirty="0">
-                <a:solidFill>
-                  <a:schemeClr val="tx1"/>
-                </a:solidFill>
-                <a:effectLst/>
-                <a:latin typeface="+mn-lt"/>
-                <a:ea typeface="+mn-ea"/>
-                <a:cs typeface="+mn-cs"/>
-              </a:rPr>
-              <a:t>    to indent prettily</a:t>
-            </a:r>
-          </a:p>
-          <a:p>
+              <a:t>Everything you need is in one place, and cleanly separated from all the other projects that you are working on.</a:t>
+            </a:r>
             <a:endParaRPr lang="en-US" dirty="0"/>
           </a:p>
         </p:txBody>
@@ -1035,7 +953,7 @@
           <a:p>
             <a:fld id="{3FB76516-566F-49EB-BABD-FB9F24C816BA}" type="slidenum">
               <a:rPr lang="en-US" smtClean="0"/>
-              <a:t>12</a:t>
+              <a:t>10</a:t>
             </a:fld>
             <a:endParaRPr lang="en-US"/>
           </a:p>
@@ -1044,7 +962,7 @@
     </p:spTree>
     <p:extLst>
       <p:ext uri="{BB962C8B-B14F-4D97-AF65-F5344CB8AC3E}">
-        <p14:creationId xmlns:p14="http://schemas.microsoft.com/office/powerpoint/2010/main" val="1870485547"/>
+        <p14:creationId xmlns:p14="http://schemas.microsoft.com/office/powerpoint/2010/main" val="4019572133"/>
       </p:ext>
     </p:extLst>
   </p:cSld>
@@ -1099,6 +1017,200 @@
           <a:lstStyle/>
           <a:p>
             <a:r>
+              <a:rPr lang="en-US" dirty="0"/>
+              <a:t>We love:</a:t>
+            </a:r>
+          </a:p>
+          <a:p>
+            <a:endParaRPr lang="en-US" b="0" dirty="0">
+              <a:effectLst/>
+            </a:endParaRPr>
+          </a:p>
+          <a:p>
+            <a:pPr lvl="2" rtl="0" fontAlgn="base"/>
+            <a:r>
+              <a:rPr lang="en-US" sz="1200" b="0" i="0" u="none" strike="noStrike" kern="1200" dirty="0">
+                <a:solidFill>
+                  <a:schemeClr val="tx1"/>
+                </a:solidFill>
+                <a:effectLst/>
+                <a:latin typeface="+mn-lt"/>
+                <a:ea typeface="+mn-ea"/>
+                <a:cs typeface="+mn-cs"/>
+              </a:rPr>
+              <a:t> alt -  for &lt;-</a:t>
+            </a:r>
+          </a:p>
+          <a:p>
+            <a:pPr lvl="2" rtl="0" fontAlgn="base"/>
+            <a:r>
+              <a:rPr lang="en-US" sz="1200" b="0" i="0" u="none" strike="noStrike" kern="1200" dirty="0">
+                <a:solidFill>
+                  <a:schemeClr val="tx1"/>
+                </a:solidFill>
+                <a:effectLst/>
+                <a:latin typeface="+mn-lt"/>
+                <a:ea typeface="+mn-ea"/>
+                <a:cs typeface="+mn-cs"/>
+              </a:rPr>
+              <a:t>ctrl enter  to run one or more lines</a:t>
+            </a:r>
+          </a:p>
+          <a:p>
+            <a:pPr lvl="2" rtl="0" fontAlgn="base"/>
+            <a:r>
+              <a:rPr lang="en-US" sz="1200" b="0" i="0" u="none" strike="noStrike" kern="1200" dirty="0">
+                <a:solidFill>
+                  <a:schemeClr val="tx1"/>
+                </a:solidFill>
+                <a:effectLst/>
+                <a:latin typeface="+mn-lt"/>
+                <a:ea typeface="+mn-ea"/>
+                <a:cs typeface="+mn-cs"/>
+              </a:rPr>
+              <a:t>ctrl shift m   for %&gt;%</a:t>
+            </a:r>
+          </a:p>
+          <a:p>
+            <a:pPr lvl="2" rtl="0" fontAlgn="base"/>
+            <a:r>
+              <a:rPr lang="en-US" sz="1200" b="0" i="0" u="none" strike="noStrike" kern="1200" dirty="0">
+                <a:solidFill>
+                  <a:schemeClr val="tx1"/>
+                </a:solidFill>
+                <a:effectLst/>
+                <a:latin typeface="+mn-lt"/>
+                <a:ea typeface="+mn-ea"/>
+                <a:cs typeface="+mn-cs"/>
+              </a:rPr>
+              <a:t>ctrl shift c    to comment/uncomment</a:t>
+            </a:r>
+          </a:p>
+          <a:p>
+            <a:pPr lvl="2" rtl="0" fontAlgn="base"/>
+            <a:r>
+              <a:rPr lang="en-US" sz="1200" b="0" i="0" u="none" strike="noStrike" kern="1200" dirty="0">
+                <a:solidFill>
+                  <a:schemeClr val="tx1"/>
+                </a:solidFill>
+                <a:effectLst/>
+                <a:latin typeface="+mn-lt"/>
+                <a:ea typeface="+mn-ea"/>
+                <a:cs typeface="+mn-cs"/>
+              </a:rPr>
+              <a:t>ctrl </a:t>
+            </a:r>
+            <a:r>
+              <a:rPr lang="en-US" sz="1200" b="0" i="0" u="none" strike="noStrike" kern="1200" dirty="0" err="1">
+                <a:solidFill>
+                  <a:schemeClr val="tx1"/>
+                </a:solidFill>
+                <a:effectLst/>
+                <a:latin typeface="+mn-lt"/>
+                <a:ea typeface="+mn-ea"/>
+                <a:cs typeface="+mn-cs"/>
+              </a:rPr>
+              <a:t>i</a:t>
+            </a:r>
+            <a:r>
+              <a:rPr lang="en-US" sz="1200" b="0" i="0" u="none" strike="noStrike" kern="1200" dirty="0">
+                <a:solidFill>
+                  <a:schemeClr val="tx1"/>
+                </a:solidFill>
+                <a:effectLst/>
+                <a:latin typeface="+mn-lt"/>
+                <a:ea typeface="+mn-ea"/>
+                <a:cs typeface="+mn-cs"/>
+              </a:rPr>
+              <a:t>    to indent prettily</a:t>
+            </a:r>
+          </a:p>
+          <a:p>
+            <a:endParaRPr lang="en-US" dirty="0"/>
+          </a:p>
+        </p:txBody>
+      </p:sp>
+      <p:sp>
+        <p:nvSpPr>
+          <p:cNvPr id="4" name="Slide Number Placeholder 3"/>
+          <p:cNvSpPr>
+            <a:spLocks noGrp="1"/>
+          </p:cNvSpPr>
+          <p:nvPr>
+            <p:ph type="sldNum" sz="quarter" idx="5"/>
+          </p:nvPr>
+        </p:nvSpPr>
+        <p:spPr/>
+        <p:txBody>
+          <a:bodyPr/>
+          <a:lstStyle/>
+          <a:p>
+            <a:fld id="{3FB76516-566F-49EB-BABD-FB9F24C816BA}" type="slidenum">
+              <a:rPr lang="en-US" smtClean="0"/>
+              <a:t>14</a:t>
+            </a:fld>
+            <a:endParaRPr lang="en-US"/>
+          </a:p>
+        </p:txBody>
+      </p:sp>
+    </p:spTree>
+    <p:extLst>
+      <p:ext uri="{BB962C8B-B14F-4D97-AF65-F5344CB8AC3E}">
+        <p14:creationId xmlns:p14="http://schemas.microsoft.com/office/powerpoint/2010/main" val="1870485547"/>
+      </p:ext>
+    </p:extLst>
+  </p:cSld>
+  <p:clrMapOvr>
+    <a:masterClrMapping/>
+  </p:clrMapOvr>
+</p:notes>
+</file>
+
+<file path=ppt/notesSlides/notesSlide6.xml><?xml version="1.0" encoding="utf-8"?>
+<p:notes xmlns:a="http://schemas.openxmlformats.org/drawingml/2006/main" xmlns:r="http://schemas.openxmlformats.org/officeDocument/2006/relationships" xmlns:p="http://schemas.openxmlformats.org/presentationml/2006/main">
+  <p:cSld>
+    <p:spTree>
+      <p:nvGrpSpPr>
+        <p:cNvPr id="1" name=""/>
+        <p:cNvGrpSpPr/>
+        <p:nvPr/>
+      </p:nvGrpSpPr>
+      <p:grpSpPr>
+        <a:xfrm>
+          <a:off x="0" y="0"/>
+          <a:ext cx="0" cy="0"/>
+          <a:chOff x="0" y="0"/>
+          <a:chExt cx="0" cy="0"/>
+        </a:xfrm>
+      </p:grpSpPr>
+      <p:sp>
+        <p:nvSpPr>
+          <p:cNvPr id="2" name="Slide Image Placeholder 1"/>
+          <p:cNvSpPr>
+            <a:spLocks noGrp="1" noRot="1" noChangeAspect="1"/>
+          </p:cNvSpPr>
+          <p:nvPr>
+            <p:ph type="sldImg"/>
+          </p:nvPr>
+        </p:nvSpPr>
+        <p:spPr/>
+      </p:sp>
+      <p:sp>
+        <p:nvSpPr>
+          <p:cNvPr id="3" name="Notes Placeholder 2"/>
+          <p:cNvSpPr>
+            <a:spLocks noGrp="1"/>
+          </p:cNvSpPr>
+          <p:nvPr>
+            <p:ph type="body" idx="1"/>
+          </p:nvPr>
+        </p:nvSpPr>
+        <p:spPr/>
+        <p:txBody>
+          <a:bodyPr/>
+          <a:lstStyle/>
+          <a:p>
+            <a:r>
               <a:rPr lang="en-US" sz="1200" b="0" i="0" u="none" strike="noStrike" kern="1200" dirty="0">
                 <a:solidFill>
                   <a:schemeClr val="tx1"/>
@@ -1155,7 +1267,7 @@
           <a:p>
             <a:fld id="{3FB76516-566F-49EB-BABD-FB9F24C816BA}" type="slidenum">
               <a:rPr lang="en-US" smtClean="0"/>
-              <a:t>14</a:t>
+              <a:t>16</a:t>
             </a:fld>
             <a:endParaRPr lang="en-US"/>
           </a:p>
@@ -1321,7 +1433,7 @@
           <a:p>
             <a:fld id="{20D5C61A-5CFD-4F71-B95C-19791C96A879}" type="datetime1">
               <a:rPr lang="en-US" smtClean="0"/>
-              <a:t>10/24/2019</a:t>
+              <a:t>10/28/2019</a:t>
             </a:fld>
             <a:endParaRPr lang="en-US"/>
           </a:p>
@@ -1522,7 +1634,7 @@
           <a:p>
             <a:fld id="{D4CD7D6E-FC46-4A12-A6C3-8129F8B1368D}" type="datetime1">
               <a:rPr lang="en-US" smtClean="0"/>
-              <a:t>10/24/2019</a:t>
+              <a:t>10/28/2019</a:t>
             </a:fld>
             <a:endParaRPr lang="en-US"/>
           </a:p>
@@ -1733,7 +1845,7 @@
           <a:p>
             <a:fld id="{1DDFA410-B7A1-4F49-BCA0-ECCFDD861EDA}" type="datetime1">
               <a:rPr lang="en-US" smtClean="0"/>
-              <a:t>10/24/2019</a:t>
+              <a:t>10/28/2019</a:t>
             </a:fld>
             <a:endParaRPr lang="en-US"/>
           </a:p>
@@ -1934,7 +2046,7 @@
           <a:p>
             <a:fld id="{7DB4B2D1-4419-4F8E-BF16-436632790C10}" type="datetime1">
               <a:rPr lang="en-US" smtClean="0"/>
-              <a:t>10/24/2019</a:t>
+              <a:t>10/28/2019</a:t>
             </a:fld>
             <a:endParaRPr lang="en-US"/>
           </a:p>
@@ -2212,7 +2324,7 @@
           <a:p>
             <a:fld id="{DD5A4F1C-AF24-4413-9AF7-5D2E8BD63B7A}" type="datetime1">
               <a:rPr lang="en-US" smtClean="0"/>
-              <a:t>10/24/2019</a:t>
+              <a:t>10/28/2019</a:t>
             </a:fld>
             <a:endParaRPr lang="en-US"/>
           </a:p>
@@ -2480,7 +2592,7 @@
           <a:p>
             <a:fld id="{A30C4107-E5BF-4897-8B7F-7818781B2BEF}" type="datetime1">
               <a:rPr lang="en-US" smtClean="0"/>
-              <a:t>10/24/2019</a:t>
+              <a:t>10/28/2019</a:t>
             </a:fld>
             <a:endParaRPr lang="en-US"/>
           </a:p>
@@ -2895,7 +3007,7 @@
           <a:p>
             <a:fld id="{94B7E4A7-AF5C-43D4-B525-193EDF4CF928}" type="datetime1">
               <a:rPr lang="en-US" smtClean="0"/>
-              <a:t>10/24/2019</a:t>
+              <a:t>10/28/2019</a:t>
             </a:fld>
             <a:endParaRPr lang="en-US"/>
           </a:p>
@@ -3039,7 +3151,7 @@
           <a:p>
             <a:fld id="{16171D16-98A7-4147-8F21-548CB1F5A2CB}" type="datetime1">
               <a:rPr lang="en-US" smtClean="0"/>
-              <a:t>10/24/2019</a:t>
+              <a:t>10/28/2019</a:t>
             </a:fld>
             <a:endParaRPr lang="en-US"/>
           </a:p>
@@ -3155,7 +3267,7 @@
           <a:p>
             <a:fld id="{2BFC181B-AF2C-4698-833D-9791346A0D31}" type="datetime1">
               <a:rPr lang="en-US" smtClean="0"/>
-              <a:t>10/24/2019</a:t>
+              <a:t>10/28/2019</a:t>
             </a:fld>
             <a:endParaRPr lang="en-US"/>
           </a:p>
@@ -3469,7 +3581,7 @@
           <a:p>
             <a:fld id="{415F48C5-B639-4D35-B8B9-E2201BDB316A}" type="datetime1">
               <a:rPr lang="en-US" smtClean="0"/>
-              <a:t>10/24/2019</a:t>
+              <a:t>10/28/2019</a:t>
             </a:fld>
             <a:endParaRPr lang="en-US"/>
           </a:p>
@@ -3760,7 +3872,7 @@
           <a:p>
             <a:fld id="{3F590B41-551D-4AEE-A188-C74BAB065259}" type="datetime1">
               <a:rPr lang="en-US" smtClean="0"/>
-              <a:t>10/24/2019</a:t>
+              <a:t>10/28/2019</a:t>
             </a:fld>
             <a:endParaRPr lang="en-US"/>
           </a:p>
@@ -4004,7 +4116,7 @@
           <a:p>
             <a:fld id="{DA4D72AF-D22F-4C9E-9728-19507CB6CEA6}" type="datetime1">
               <a:rPr lang="en-US" smtClean="0"/>
-              <a:t>10/24/2019</a:t>
+              <a:t>10/28/2019</a:t>
             </a:fld>
             <a:endParaRPr lang="en-US"/>
           </a:p>
@@ -4992,6 +5104,413 @@
               <a:buAutoNum type="arabicPeriod"/>
             </a:pPr>
             <a:r>
+              <a:rPr lang="en-US" dirty="0"/>
+              <a:t>Project-oriented workflow</a:t>
+            </a:r>
+          </a:p>
+        </p:txBody>
+      </p:sp>
+      <p:sp>
+        <p:nvSpPr>
+          <p:cNvPr id="2" name="Footer Placeholder 1">
+            <a:extLst>
+              <a:ext uri="{FF2B5EF4-FFF2-40B4-BE49-F238E27FC236}">
+                <a16:creationId xmlns:a16="http://schemas.microsoft.com/office/drawing/2014/main" id="{8A14FCF1-C8DF-4DEB-ADD5-F0EC1A4B9CEA}"/>
+              </a:ext>
+            </a:extLst>
+          </p:cNvPr>
+          <p:cNvSpPr>
+            <a:spLocks noGrp="1"/>
+          </p:cNvSpPr>
+          <p:nvPr>
+            <p:ph type="ftr" sz="quarter" idx="11"/>
+          </p:nvPr>
+        </p:nvSpPr>
+        <p:spPr/>
+        <p:txBody>
+          <a:bodyPr/>
+          <a:lstStyle/>
+          <a:p>
+            <a:r>
+              <a:rPr lang="en-US"/>
+              <a:t>CERF 2019 | The Next Step with R | Cressman and Dunnigan</a:t>
+            </a:r>
+          </a:p>
+        </p:txBody>
+      </p:sp>
+      <p:sp>
+        <p:nvSpPr>
+          <p:cNvPr id="3" name="Slide Number Placeholder 2">
+            <a:extLst>
+              <a:ext uri="{FF2B5EF4-FFF2-40B4-BE49-F238E27FC236}">
+                <a16:creationId xmlns:a16="http://schemas.microsoft.com/office/drawing/2014/main" id="{5AEE37ED-086D-41C0-9CBC-F1860002C90F}"/>
+              </a:ext>
+            </a:extLst>
+          </p:cNvPr>
+          <p:cNvSpPr>
+            <a:spLocks noGrp="1"/>
+          </p:cNvSpPr>
+          <p:nvPr>
+            <p:ph type="sldNum" sz="quarter" idx="12"/>
+          </p:nvPr>
+        </p:nvSpPr>
+        <p:spPr/>
+        <p:txBody>
+          <a:bodyPr/>
+          <a:lstStyle/>
+          <a:p>
+            <a:fld id="{F1C6B191-D550-4A99-8ACB-75896EEB4A4C}" type="slidenum">
+              <a:rPr lang="en-US" smtClean="0"/>
+              <a:t>10</a:t>
+            </a:fld>
+            <a:endParaRPr lang="en-US"/>
+          </a:p>
+        </p:txBody>
+      </p:sp>
+    </p:spTree>
+    <p:extLst>
+      <p:ext uri="{BB962C8B-B14F-4D97-AF65-F5344CB8AC3E}">
+        <p14:creationId xmlns:p14="http://schemas.microsoft.com/office/powerpoint/2010/main" val="882358253"/>
+      </p:ext>
+    </p:extLst>
+  </p:cSld>
+  <p:clrMapOvr>
+    <a:masterClrMapping/>
+  </p:clrMapOvr>
+</p:sld>
+</file>
+
+<file path=ppt/slides/slide11.xml><?xml version="1.0" encoding="utf-8"?>
+<p:sld xmlns:a="http://schemas.openxmlformats.org/drawingml/2006/main" xmlns:r="http://schemas.openxmlformats.org/officeDocument/2006/relationships" xmlns:p="http://schemas.openxmlformats.org/presentationml/2006/main">
+  <p:cSld>
+    <p:spTree>
+      <p:nvGrpSpPr>
+        <p:cNvPr id="1" name=""/>
+        <p:cNvGrpSpPr/>
+        <p:nvPr/>
+      </p:nvGrpSpPr>
+      <p:grpSpPr>
+        <a:xfrm>
+          <a:off x="0" y="0"/>
+          <a:ext cx="0" cy="0"/>
+          <a:chOff x="0" y="0"/>
+          <a:chExt cx="0" cy="0"/>
+        </a:xfrm>
+      </p:grpSpPr>
+      <p:sp>
+        <p:nvSpPr>
+          <p:cNvPr id="4" name="Title 3">
+            <a:extLst>
+              <a:ext uri="{FF2B5EF4-FFF2-40B4-BE49-F238E27FC236}">
+                <a16:creationId xmlns:a16="http://schemas.microsoft.com/office/drawing/2014/main" id="{B407D28C-34DA-43B3-9228-486337F4D7CE}"/>
+              </a:ext>
+            </a:extLst>
+          </p:cNvPr>
+          <p:cNvSpPr>
+            <a:spLocks noGrp="1"/>
+          </p:cNvSpPr>
+          <p:nvPr>
+            <p:ph type="title"/>
+          </p:nvPr>
+        </p:nvSpPr>
+        <p:spPr/>
+        <p:txBody>
+          <a:bodyPr/>
+          <a:lstStyle/>
+          <a:p>
+            <a:r>
+              <a:rPr lang="en-US" dirty="0"/>
+              <a:t>Workflow Basics: </a:t>
+            </a:r>
+            <a:br>
+              <a:rPr lang="en-US" dirty="0"/>
+            </a:br>
+            <a:r>
+              <a:rPr lang="en-US" sz="3200" dirty="0"/>
+              <a:t>Tips and tricks to making your R work more productive</a:t>
+            </a:r>
+            <a:endParaRPr lang="en-US" dirty="0"/>
+          </a:p>
+        </p:txBody>
+      </p:sp>
+      <p:sp>
+        <p:nvSpPr>
+          <p:cNvPr id="5" name="Content Placeholder 4">
+            <a:extLst>
+              <a:ext uri="{FF2B5EF4-FFF2-40B4-BE49-F238E27FC236}">
+                <a16:creationId xmlns:a16="http://schemas.microsoft.com/office/drawing/2014/main" id="{93F1C196-FC76-4545-B10C-28B7F35BAA68}"/>
+              </a:ext>
+            </a:extLst>
+          </p:cNvPr>
+          <p:cNvSpPr>
+            <a:spLocks noGrp="1"/>
+          </p:cNvSpPr>
+          <p:nvPr>
+            <p:ph idx="1"/>
+          </p:nvPr>
+        </p:nvSpPr>
+        <p:spPr/>
+        <p:txBody>
+          <a:bodyPr/>
+          <a:lstStyle/>
+          <a:p>
+            <a:pPr marL="514350" indent="-514350">
+              <a:buFont typeface="+mj-lt"/>
+              <a:buAutoNum type="arabicPeriod"/>
+            </a:pPr>
+            <a:r>
+              <a:rPr lang="en-US" dirty="0">
+                <a:solidFill>
+                  <a:schemeClr val="bg1">
+                    <a:lumMod val="75000"/>
+                  </a:schemeClr>
+                </a:solidFill>
+              </a:rPr>
+              <a:t>Save the source, not the workspace</a:t>
+            </a:r>
+          </a:p>
+          <a:p>
+            <a:pPr marL="514350" indent="-514350">
+              <a:buFont typeface="+mj-lt"/>
+              <a:buAutoNum type="arabicPeriod"/>
+            </a:pPr>
+            <a:r>
+              <a:rPr lang="en-US" dirty="0">
+                <a:solidFill>
+                  <a:schemeClr val="bg1">
+                    <a:lumMod val="75000"/>
+                  </a:schemeClr>
+                </a:solidFill>
+              </a:rPr>
+              <a:t>Use an IDE (integrated development environment), like RStudio</a:t>
+            </a:r>
+          </a:p>
+          <a:p>
+            <a:pPr marL="514350" indent="-514350">
+              <a:buFont typeface="+mj-lt"/>
+              <a:buAutoNum type="arabicPeriod"/>
+            </a:pPr>
+            <a:r>
+              <a:rPr lang="en-US" dirty="0">
+                <a:solidFill>
+                  <a:schemeClr val="bg1">
+                    <a:lumMod val="75000"/>
+                  </a:schemeClr>
+                </a:solidFill>
+              </a:rPr>
+              <a:t>Project-oriented workflow</a:t>
+            </a:r>
+          </a:p>
+          <a:p>
+            <a:pPr marL="514350" indent="-514350">
+              <a:buFont typeface="+mj-lt"/>
+              <a:buAutoNum type="arabicPeriod"/>
+            </a:pPr>
+            <a:r>
+              <a:rPr lang="en-US" dirty="0"/>
+              <a:t>Use projects and the `</a:t>
+            </a:r>
+            <a:r>
+              <a:rPr lang="en-US" dirty="0">
+                <a:solidFill>
+                  <a:schemeClr val="accent6">
+                    <a:lumMod val="75000"/>
+                  </a:schemeClr>
+                </a:solidFill>
+                <a:latin typeface="Fira Code" panose="020B0809050000020004" pitchFamily="49" charset="0"/>
+                <a:ea typeface="Fira Code" panose="020B0809050000020004" pitchFamily="49" charset="0"/>
+                <a:cs typeface="Fira Code" panose="020B0809050000020004" pitchFamily="49" charset="0"/>
+              </a:rPr>
+              <a:t>here</a:t>
+            </a:r>
+            <a:r>
+              <a:rPr lang="en-US" dirty="0"/>
+              <a:t>` package</a:t>
+            </a:r>
+          </a:p>
+        </p:txBody>
+      </p:sp>
+      <p:sp>
+        <p:nvSpPr>
+          <p:cNvPr id="2" name="Footer Placeholder 1">
+            <a:extLst>
+              <a:ext uri="{FF2B5EF4-FFF2-40B4-BE49-F238E27FC236}">
+                <a16:creationId xmlns:a16="http://schemas.microsoft.com/office/drawing/2014/main" id="{D20FD384-FCB6-4F59-86EF-1178A65B5A8C}"/>
+              </a:ext>
+            </a:extLst>
+          </p:cNvPr>
+          <p:cNvSpPr>
+            <a:spLocks noGrp="1"/>
+          </p:cNvSpPr>
+          <p:nvPr>
+            <p:ph type="ftr" sz="quarter" idx="11"/>
+          </p:nvPr>
+        </p:nvSpPr>
+        <p:spPr/>
+        <p:txBody>
+          <a:bodyPr/>
+          <a:lstStyle/>
+          <a:p>
+            <a:r>
+              <a:rPr lang="en-US"/>
+              <a:t>CERF 2019 | The Next Step with R | Cressman and Dunnigan</a:t>
+            </a:r>
+          </a:p>
+        </p:txBody>
+      </p:sp>
+      <p:sp>
+        <p:nvSpPr>
+          <p:cNvPr id="3" name="Slide Number Placeholder 2">
+            <a:extLst>
+              <a:ext uri="{FF2B5EF4-FFF2-40B4-BE49-F238E27FC236}">
+                <a16:creationId xmlns:a16="http://schemas.microsoft.com/office/drawing/2014/main" id="{5749366A-DE5A-4869-AA8F-AEBBCC560986}"/>
+              </a:ext>
+            </a:extLst>
+          </p:cNvPr>
+          <p:cNvSpPr>
+            <a:spLocks noGrp="1"/>
+          </p:cNvSpPr>
+          <p:nvPr>
+            <p:ph type="sldNum" sz="quarter" idx="12"/>
+          </p:nvPr>
+        </p:nvSpPr>
+        <p:spPr/>
+        <p:txBody>
+          <a:bodyPr/>
+          <a:lstStyle/>
+          <a:p>
+            <a:fld id="{F1C6B191-D550-4A99-8ACB-75896EEB4A4C}" type="slidenum">
+              <a:rPr lang="en-US" smtClean="0"/>
+              <a:t>11</a:t>
+            </a:fld>
+            <a:endParaRPr lang="en-US"/>
+          </a:p>
+        </p:txBody>
+      </p:sp>
+    </p:spTree>
+    <p:extLst>
+      <p:ext uri="{BB962C8B-B14F-4D97-AF65-F5344CB8AC3E}">
+        <p14:creationId xmlns:p14="http://schemas.microsoft.com/office/powerpoint/2010/main" val="4144258888"/>
+      </p:ext>
+    </p:extLst>
+  </p:cSld>
+  <p:clrMapOvr>
+    <a:masterClrMapping/>
+  </p:clrMapOvr>
+</p:sld>
+</file>
+
+<file path=ppt/slides/slide12.xml><?xml version="1.0" encoding="utf-8"?>
+<p:sld xmlns:a="http://schemas.openxmlformats.org/drawingml/2006/main" xmlns:r="http://schemas.openxmlformats.org/officeDocument/2006/relationships" xmlns:p="http://schemas.openxmlformats.org/presentationml/2006/main">
+  <p:cSld>
+    <p:spTree>
+      <p:nvGrpSpPr>
+        <p:cNvPr id="1" name=""/>
+        <p:cNvGrpSpPr/>
+        <p:nvPr/>
+      </p:nvGrpSpPr>
+      <p:grpSpPr>
+        <a:xfrm>
+          <a:off x="0" y="0"/>
+          <a:ext cx="0" cy="0"/>
+          <a:chOff x="0" y="0"/>
+          <a:chExt cx="0" cy="0"/>
+        </a:xfrm>
+      </p:grpSpPr>
+      <p:sp>
+        <p:nvSpPr>
+          <p:cNvPr id="4" name="Title 3">
+            <a:extLst>
+              <a:ext uri="{FF2B5EF4-FFF2-40B4-BE49-F238E27FC236}">
+                <a16:creationId xmlns:a16="http://schemas.microsoft.com/office/drawing/2014/main" id="{B407D28C-34DA-43B3-9228-486337F4D7CE}"/>
+              </a:ext>
+            </a:extLst>
+          </p:cNvPr>
+          <p:cNvSpPr>
+            <a:spLocks noGrp="1"/>
+          </p:cNvSpPr>
+          <p:nvPr>
+            <p:ph type="title"/>
+          </p:nvPr>
+        </p:nvSpPr>
+        <p:spPr/>
+        <p:txBody>
+          <a:bodyPr/>
+          <a:lstStyle/>
+          <a:p>
+            <a:r>
+              <a:rPr lang="en-US" dirty="0"/>
+              <a:t>Workflow Basics: </a:t>
+            </a:r>
+            <a:br>
+              <a:rPr lang="en-US" dirty="0"/>
+            </a:br>
+            <a:r>
+              <a:rPr lang="en-US" sz="3200" dirty="0"/>
+              <a:t>Tips and tricks to making your R work more productive</a:t>
+            </a:r>
+            <a:endParaRPr lang="en-US" dirty="0"/>
+          </a:p>
+        </p:txBody>
+      </p:sp>
+      <p:sp>
+        <p:nvSpPr>
+          <p:cNvPr id="5" name="Content Placeholder 4">
+            <a:extLst>
+              <a:ext uri="{FF2B5EF4-FFF2-40B4-BE49-F238E27FC236}">
+                <a16:creationId xmlns:a16="http://schemas.microsoft.com/office/drawing/2014/main" id="{93F1C196-FC76-4545-B10C-28B7F35BAA68}"/>
+              </a:ext>
+            </a:extLst>
+          </p:cNvPr>
+          <p:cNvSpPr>
+            <a:spLocks noGrp="1"/>
+          </p:cNvSpPr>
+          <p:nvPr>
+            <p:ph idx="1"/>
+          </p:nvPr>
+        </p:nvSpPr>
+        <p:spPr/>
+        <p:txBody>
+          <a:bodyPr/>
+          <a:lstStyle/>
+          <a:p>
+            <a:pPr marL="514350" indent="-514350">
+              <a:buFont typeface="+mj-lt"/>
+              <a:buAutoNum type="arabicPeriod"/>
+            </a:pPr>
+            <a:r>
+              <a:rPr lang="en-US" dirty="0">
+                <a:solidFill>
+                  <a:schemeClr val="bg1">
+                    <a:lumMod val="75000"/>
+                  </a:schemeClr>
+                </a:solidFill>
+              </a:rPr>
+              <a:t>Save the source, not the workspace</a:t>
+            </a:r>
+          </a:p>
+          <a:p>
+            <a:pPr marL="514350" indent="-514350">
+              <a:buFont typeface="+mj-lt"/>
+              <a:buAutoNum type="arabicPeriod"/>
+            </a:pPr>
+            <a:r>
+              <a:rPr lang="en-US" dirty="0">
+                <a:solidFill>
+                  <a:schemeClr val="bg1">
+                    <a:lumMod val="75000"/>
+                  </a:schemeClr>
+                </a:solidFill>
+              </a:rPr>
+              <a:t>Use an IDE (integrated development environment), like RStudio</a:t>
+            </a:r>
+          </a:p>
+          <a:p>
+            <a:pPr marL="514350" indent="-514350">
+              <a:buFont typeface="+mj-lt"/>
+              <a:buAutoNum type="arabicPeriod"/>
+            </a:pPr>
+            <a:r>
               <a:rPr lang="en-US" dirty="0">
                 <a:solidFill>
                   <a:schemeClr val="bg1">
@@ -5147,7 +5666,7 @@
           <a:p>
             <a:fld id="{F1C6B191-D550-4A99-8ACB-75896EEB4A4C}" type="slidenum">
               <a:rPr lang="en-US" smtClean="0"/>
-              <a:t>10</a:t>
+              <a:t>12</a:t>
             </a:fld>
             <a:endParaRPr lang="en-US"/>
           </a:p>
@@ -5244,7 +5763,7 @@
 </p:sld>
 </file>
 
-<file path=ppt/slides/slide11.xml><?xml version="1.0" encoding="utf-8"?>
+<file path=ppt/slides/slide13.xml><?xml version="1.0" encoding="utf-8"?>
 <p:sld xmlns:a="http://schemas.openxmlformats.org/drawingml/2006/main" xmlns:r="http://schemas.openxmlformats.org/officeDocument/2006/relationships" xmlns:p="http://schemas.openxmlformats.org/presentationml/2006/main">
   <p:cSld>
     <p:spTree>
@@ -5468,20 +5987,38 @@
           <a:p>
             <a:r>
               <a:rPr lang="en-US" sz="2800" dirty="0">
+                <a:solidFill>
+                  <a:schemeClr val="accent6">
+                    <a:lumMod val="75000"/>
+                  </a:schemeClr>
+                </a:solidFill>
                 <a:latin typeface="Fira Code" panose="020B0809050000020004" pitchFamily="49" charset="0"/>
                 <a:ea typeface="Fira Code" panose="020B0809050000020004" pitchFamily="49" charset="0"/>
                 <a:cs typeface="Fira Code" panose="020B0809050000020004" pitchFamily="49" charset="0"/>
               </a:rPr>
-              <a:t>package::function() </a:t>
-            </a:r>
-          </a:p>
-          <a:p>
+              <a:t>package::function()</a:t>
+            </a:r>
             <a:r>
               <a:rPr lang="en-US" sz="2800" dirty="0">
                 <a:latin typeface="Fira Code" panose="020B0809050000020004" pitchFamily="49" charset="0"/>
                 <a:ea typeface="Fira Code" panose="020B0809050000020004" pitchFamily="49" charset="0"/>
                 <a:cs typeface="Fira Code" panose="020B0809050000020004" pitchFamily="49" charset="0"/>
               </a:rPr>
+              <a:t> </a:t>
+            </a:r>
+          </a:p>
+          <a:p>
+            <a:r>
+              <a:rPr lang="en-US" sz="2800" dirty="0">
+                <a:solidFill>
+                  <a:schemeClr val="accent6">
+                    <a:lumMod val="75000"/>
+                  </a:schemeClr>
+                </a:solidFill>
+                <a:latin typeface="Fira Code" panose="020B0809050000020004" pitchFamily="49" charset="0"/>
+                <a:ea typeface="Fira Code" panose="020B0809050000020004" pitchFamily="49" charset="0"/>
+                <a:cs typeface="Fira Code" panose="020B0809050000020004" pitchFamily="49" charset="0"/>
+              </a:rPr>
               <a:t>&lt;-</a:t>
             </a:r>
           </a:p>
@@ -5492,21 +6029,6 @@
                 <a:cs typeface="Fira Code" panose="020B0809050000020004" pitchFamily="49" charset="0"/>
               </a:rPr>
               <a:t>Pipes! </a:t>
-            </a:r>
-            <a:r>
-              <a:rPr lang="en-US" sz="2800" dirty="0">
-                <a:latin typeface="Fira Code" panose="020B0809050000020004" pitchFamily="49" charset="0"/>
-                <a:ea typeface="Fira Code" panose="020B0809050000020004" pitchFamily="49" charset="0"/>
-                <a:cs typeface="Fira Code" panose="020B0809050000020004" pitchFamily="49" charset="0"/>
-              </a:rPr>
-              <a:t>`%&gt;%`</a:t>
-            </a:r>
-            <a:r>
-              <a:rPr lang="en-US" sz="2800" dirty="0">
-                <a:ea typeface="Fira Code" panose="020B0809050000020004" pitchFamily="49" charset="0"/>
-                <a:cs typeface="Fira Code" panose="020B0809050000020004" pitchFamily="49" charset="0"/>
-              </a:rPr>
-              <a:t> from the </a:t>
             </a:r>
             <a:r>
               <a:rPr lang="en-US" sz="2800" dirty="0">
@@ -5517,7 +6039,48 @@
               <a:t>`</a:t>
             </a:r>
             <a:r>
+              <a:rPr lang="en-US" sz="2800" dirty="0">
+                <a:solidFill>
+                  <a:schemeClr val="accent6">
+                    <a:lumMod val="75000"/>
+                  </a:schemeClr>
+                </a:solidFill>
+                <a:latin typeface="Fira Code" panose="020B0809050000020004" pitchFamily="49" charset="0"/>
+                <a:ea typeface="Fira Code" panose="020B0809050000020004" pitchFamily="49" charset="0"/>
+                <a:cs typeface="Fira Code" panose="020B0809050000020004" pitchFamily="49" charset="0"/>
+              </a:rPr>
+              <a:t>%&gt;%</a:t>
+            </a:r>
+            <a:r>
+              <a:rPr lang="en-US" sz="2800" dirty="0">
+                <a:latin typeface="Fira Code" panose="020B0809050000020004" pitchFamily="49" charset="0"/>
+                <a:ea typeface="Fira Code" panose="020B0809050000020004" pitchFamily="49" charset="0"/>
+                <a:cs typeface="Fira Code" panose="020B0809050000020004" pitchFamily="49" charset="0"/>
+              </a:rPr>
+              <a:t>`</a:t>
+            </a:r>
+            <a:r>
+              <a:rPr lang="en-US" sz="2800" dirty="0">
+                <a:ea typeface="Fira Code" panose="020B0809050000020004" pitchFamily="49" charset="0"/>
+                <a:cs typeface="Fira Code" panose="020B0809050000020004" pitchFamily="49" charset="0"/>
+              </a:rPr>
+              <a:t> from the </a:t>
+            </a:r>
+            <a:r>
+              <a:rPr lang="en-US" sz="2800" dirty="0">
+                <a:latin typeface="Fira Code" panose="020B0809050000020004" pitchFamily="49" charset="0"/>
+                <a:ea typeface="Fira Code" panose="020B0809050000020004" pitchFamily="49" charset="0"/>
+                <a:cs typeface="Fira Code" panose="020B0809050000020004" pitchFamily="49" charset="0"/>
+              </a:rPr>
+              <a:t>`</a:t>
+            </a:r>
+            <a:r>
               <a:rPr lang="en-US" sz="2800" dirty="0" err="1">
+                <a:solidFill>
+                  <a:schemeClr val="accent6">
+                    <a:lumMod val="75000"/>
+                  </a:schemeClr>
+                </a:solidFill>
                 <a:latin typeface="Fira Code" panose="020B0809050000020004" pitchFamily="49" charset="0"/>
                 <a:ea typeface="Fira Code" panose="020B0809050000020004" pitchFamily="49" charset="0"/>
                 <a:cs typeface="Fira Code" panose="020B0809050000020004" pitchFamily="49" charset="0"/>
@@ -5594,7 +6157,7 @@
           <a:p>
             <a:fld id="{F1C6B191-D550-4A99-8ACB-75896EEB4A4C}" type="slidenum">
               <a:rPr lang="en-US" smtClean="0"/>
-              <a:t>11</a:t>
+              <a:t>13</a:t>
             </a:fld>
             <a:endParaRPr lang="en-US"/>
           </a:p>
@@ -5691,7 +6254,7 @@
 </p:sld>
 </file>
 
-<file path=ppt/slides/slide12.xml><?xml version="1.0" encoding="utf-8"?>
+<file path=ppt/slides/slide14.xml><?xml version="1.0" encoding="utf-8"?>
 <p:sld xmlns:a="http://schemas.openxmlformats.org/drawingml/2006/main" xmlns:r="http://schemas.openxmlformats.org/officeDocument/2006/relationships" xmlns:p="http://schemas.openxmlformats.org/presentationml/2006/main">
   <p:cSld>
     <p:spTree>
@@ -5954,9 +6517,196 @@
           <a:p>
             <a:fld id="{F1C6B191-D550-4A99-8ACB-75896EEB4A4C}" type="slidenum">
               <a:rPr lang="en-US" smtClean="0"/>
-              <a:t>12</a:t>
+              <a:t>14</a:t>
             </a:fld>
             <a:endParaRPr lang="en-US"/>
+          </a:p>
+        </p:txBody>
+      </p:sp>
+      <p:sp>
+        <p:nvSpPr>
+          <p:cNvPr id="6" name="Rectangle: Rounded Corners 5">
+            <a:extLst>
+              <a:ext uri="{FF2B5EF4-FFF2-40B4-BE49-F238E27FC236}">
+                <a16:creationId xmlns:a16="http://schemas.microsoft.com/office/drawing/2014/main" id="{7B8CB463-D4D0-45AF-9385-653072700DD5}"/>
+              </a:ext>
+            </a:extLst>
+          </p:cNvPr>
+          <p:cNvSpPr/>
+          <p:nvPr/>
+        </p:nvSpPr>
+        <p:spPr>
+          <a:xfrm>
+            <a:off x="7294416" y="2863490"/>
+            <a:ext cx="4395356" cy="1901536"/>
+          </a:xfrm>
+          <a:prstGeom prst="roundRect">
+            <a:avLst/>
+          </a:prstGeom>
+        </p:spPr>
+        <p:style>
+          <a:lnRef idx="2">
+            <a:schemeClr val="accent1">
+              <a:shade val="50000"/>
+            </a:schemeClr>
+          </a:lnRef>
+          <a:fillRef idx="1">
+            <a:schemeClr val="accent1"/>
+          </a:fillRef>
+          <a:effectRef idx="0">
+            <a:schemeClr val="accent1"/>
+          </a:effectRef>
+          <a:fontRef idx="minor">
+            <a:schemeClr val="lt1"/>
+          </a:fontRef>
+        </p:style>
+        <p:txBody>
+          <a:bodyPr rtlCol="0" anchor="ctr"/>
+          <a:lstStyle/>
+          <a:p>
+            <a:pPr algn="ctr"/>
+            <a:r>
+              <a:rPr lang="en-US" sz="2000" b="1" dirty="0"/>
+              <a:t>We love:</a:t>
+            </a:r>
+          </a:p>
+          <a:p>
+            <a:r>
+              <a:rPr lang="en-US" sz="1600" dirty="0">
+                <a:solidFill>
+                  <a:schemeClr val="bg1"/>
+                </a:solidFill>
+                <a:latin typeface="Fira Code" panose="020B0809050000020004" pitchFamily="49" charset="0"/>
+                <a:ea typeface="Fira Code" panose="020B0809050000020004" pitchFamily="49" charset="0"/>
+                <a:cs typeface="Fira Code" panose="020B0809050000020004" pitchFamily="49" charset="0"/>
+              </a:rPr>
+              <a:t>alt+-</a:t>
+            </a:r>
+            <a:r>
+              <a:rPr lang="en-US" dirty="0">
+                <a:solidFill>
+                  <a:schemeClr val="bg1"/>
+                </a:solidFill>
+                <a:latin typeface="Fira Code" panose="020B0809050000020004" pitchFamily="49" charset="0"/>
+                <a:ea typeface="Fira Code" panose="020B0809050000020004" pitchFamily="49" charset="0"/>
+                <a:cs typeface="Fira Code" panose="020B0809050000020004" pitchFamily="49" charset="0"/>
+              </a:rPr>
+              <a:t> </a:t>
+            </a:r>
+            <a:r>
+              <a:rPr lang="en-US" dirty="0">
+                <a:solidFill>
+                  <a:schemeClr val="bg1"/>
+                </a:solidFill>
+              </a:rPr>
+              <a:t> :for &lt;-</a:t>
+            </a:r>
+          </a:p>
+          <a:p>
+            <a:r>
+              <a:rPr lang="en-US" sz="1600" dirty="0" err="1">
+                <a:solidFill>
+                  <a:schemeClr val="bg1"/>
+                </a:solidFill>
+                <a:latin typeface="Fira Code" panose="020B0809050000020004" pitchFamily="49" charset="0"/>
+                <a:ea typeface="Fira Code" panose="020B0809050000020004" pitchFamily="49" charset="0"/>
+                <a:cs typeface="Fira Code" panose="020B0809050000020004" pitchFamily="49" charset="0"/>
+              </a:rPr>
+              <a:t>ctrl+enter</a:t>
+            </a:r>
+            <a:r>
+              <a:rPr lang="en-US" dirty="0">
+                <a:solidFill>
+                  <a:schemeClr val="bg1"/>
+                </a:solidFill>
+              </a:rPr>
+              <a:t>  :to run one or more lines</a:t>
+            </a:r>
+          </a:p>
+          <a:p>
+            <a:r>
+              <a:rPr lang="en-US" sz="1600" dirty="0" err="1">
+                <a:solidFill>
+                  <a:schemeClr val="bg1"/>
+                </a:solidFill>
+                <a:latin typeface="Fira Code" panose="020B0809050000020004" pitchFamily="49" charset="0"/>
+                <a:ea typeface="Fira Code" panose="020B0809050000020004" pitchFamily="49" charset="0"/>
+                <a:cs typeface="Fira Code" panose="020B0809050000020004" pitchFamily="49" charset="0"/>
+              </a:rPr>
+              <a:t>ctrl+shift+m</a:t>
+            </a:r>
+            <a:r>
+              <a:rPr lang="en-US" dirty="0">
+                <a:solidFill>
+                  <a:schemeClr val="bg1"/>
+                </a:solidFill>
+              </a:rPr>
+              <a:t> :for %&gt;%</a:t>
+            </a:r>
+          </a:p>
+          <a:p>
+            <a:r>
+              <a:rPr lang="en-US" sz="1600" dirty="0" err="1">
+                <a:solidFill>
+                  <a:schemeClr val="bg1"/>
+                </a:solidFill>
+                <a:latin typeface="Fira Code" panose="020B0809050000020004" pitchFamily="49" charset="0"/>
+                <a:ea typeface="Fira Code" panose="020B0809050000020004" pitchFamily="49" charset="0"/>
+                <a:cs typeface="Fira Code" panose="020B0809050000020004" pitchFamily="49" charset="0"/>
+              </a:rPr>
+              <a:t>ctrl+shift+c</a:t>
+            </a:r>
+            <a:r>
+              <a:rPr lang="en-US" sz="1600" dirty="0">
+                <a:solidFill>
+                  <a:schemeClr val="bg1"/>
+                </a:solidFill>
+                <a:latin typeface="Fira Code" panose="020B0809050000020004" pitchFamily="49" charset="0"/>
+                <a:ea typeface="Fira Code" panose="020B0809050000020004" pitchFamily="49" charset="0"/>
+                <a:cs typeface="Fira Code" panose="020B0809050000020004" pitchFamily="49" charset="0"/>
+              </a:rPr>
+              <a:t> </a:t>
+            </a:r>
+            <a:r>
+              <a:rPr lang="en-US" dirty="0">
+                <a:solidFill>
+                  <a:schemeClr val="bg1"/>
+                </a:solidFill>
+              </a:rPr>
+              <a:t>:to comment/uncomment</a:t>
+            </a:r>
+          </a:p>
+          <a:p>
+            <a:r>
+              <a:rPr lang="en-US" sz="1600" dirty="0" err="1">
+                <a:solidFill>
+                  <a:schemeClr val="bg1"/>
+                </a:solidFill>
+                <a:latin typeface="Fira Code" panose="020B0809050000020004" pitchFamily="49" charset="0"/>
+                <a:ea typeface="Fira Code" panose="020B0809050000020004" pitchFamily="49" charset="0"/>
+                <a:cs typeface="Fira Code" panose="020B0809050000020004" pitchFamily="49" charset="0"/>
+              </a:rPr>
+              <a:t>ctrl+i</a:t>
+            </a:r>
+            <a:r>
+              <a:rPr lang="en-US" dirty="0">
+                <a:solidFill>
+                  <a:schemeClr val="bg1"/>
+                </a:solidFill>
+                <a:latin typeface="Fira Code" panose="020B0809050000020004" pitchFamily="49" charset="0"/>
+                <a:ea typeface="Fira Code" panose="020B0809050000020004" pitchFamily="49" charset="0"/>
+                <a:cs typeface="Fira Code" panose="020B0809050000020004" pitchFamily="49" charset="0"/>
+              </a:rPr>
+              <a:t> </a:t>
+            </a:r>
+            <a:r>
+              <a:rPr lang="en-US" dirty="0">
+                <a:solidFill>
+                  <a:schemeClr val="bg1"/>
+                </a:solidFill>
+              </a:rPr>
+              <a:t>   :to indent prettily</a:t>
+            </a:r>
           </a:p>
         </p:txBody>
       </p:sp>
@@ -5970,10 +6720,88 @@
   <p:clrMapOvr>
     <a:masterClrMapping/>
   </p:clrMapOvr>
+  <p:timing>
+    <p:tnLst>
+      <p:par>
+        <p:cTn id="1" dur="indefinite" restart="never" nodeType="tmRoot">
+          <p:childTnLst>
+            <p:seq concurrent="1" nextAc="seek">
+              <p:cTn id="2" dur="indefinite" nodeType="mainSeq">
+                <p:childTnLst>
+                  <p:par>
+                    <p:cTn id="3" fill="hold">
+                      <p:stCondLst>
+                        <p:cond delay="indefinite"/>
+                      </p:stCondLst>
+                      <p:childTnLst>
+                        <p:par>
+                          <p:cTn id="4" fill="hold">
+                            <p:stCondLst>
+                              <p:cond delay="0"/>
+                            </p:stCondLst>
+                            <p:childTnLst>
+                              <p:par>
+                                <p:cTn id="5" presetID="1" presetClass="entr" presetSubtype="0" fill="hold" grpId="0" nodeType="clickEffect">
+                                  <p:stCondLst>
+                                    <p:cond delay="0"/>
+                                  </p:stCondLst>
+                                  <p:childTnLst>
+                                    <p:set>
+                                      <p:cBhvr>
+                                        <p:cTn id="6" dur="1" fill="hold">
+                                          <p:stCondLst>
+                                            <p:cond delay="0"/>
+                                          </p:stCondLst>
+                                        </p:cTn>
+                                        <p:tgtEl>
+                                          <p:spTgt spid="6"/>
+                                        </p:tgtEl>
+                                        <p:attrNameLst>
+                                          <p:attrName>style.visibility</p:attrName>
+                                        </p:attrNameLst>
+                                      </p:cBhvr>
+                                      <p:to>
+                                        <p:strVal val="visible"/>
+                                      </p:to>
+                                    </p:set>
+                                  </p:childTnLst>
+                                </p:cTn>
+                              </p:par>
+                            </p:childTnLst>
+                          </p:cTn>
+                        </p:par>
+                      </p:childTnLst>
+                    </p:cTn>
+                  </p:par>
+                </p:childTnLst>
+              </p:cTn>
+              <p:prevCondLst>
+                <p:cond evt="onPrev" delay="0">
+                  <p:tgtEl>
+                    <p:sldTgt/>
+                  </p:tgtEl>
+                </p:cond>
+              </p:prevCondLst>
+              <p:nextCondLst>
+                <p:cond evt="onNext" delay="0">
+                  <p:tgtEl>
+                    <p:sldTgt/>
+                  </p:tgtEl>
+                </p:cond>
+              </p:nextCondLst>
+            </p:seq>
+          </p:childTnLst>
+        </p:cTn>
+      </p:par>
+    </p:tnLst>
+    <p:bldLst>
+      <p:bldP spid="6" grpId="0" animBg="1"/>
+    </p:bldLst>
+  </p:timing>
 </p:sld>
 </file>
 
-<file path=ppt/slides/slide13.xml><?xml version="1.0" encoding="utf-8"?>
+<file path=ppt/slides/slide15.xml><?xml version="1.0" encoding="utf-8"?>
 <p:sld xmlns:a="http://schemas.openxmlformats.org/drawingml/2006/main" xmlns:r="http://schemas.openxmlformats.org/officeDocument/2006/relationships" xmlns:p="http://schemas.openxmlformats.org/presentationml/2006/main">
   <p:cSld>
     <p:spTree>
@@ -6100,7 +6928,7 @@
           <a:p>
             <a:fld id="{F1C6B191-D550-4A99-8ACB-75896EEB4A4C}" type="slidenum">
               <a:rPr lang="en-US" smtClean="0"/>
-              <a:t>13</a:t>
+              <a:t>15</a:t>
             </a:fld>
             <a:endParaRPr lang="en-US"/>
           </a:p>
@@ -6119,7 +6947,7 @@
 </p:sld>
 </file>
 
-<file path=ppt/slides/slide14.xml><?xml version="1.0" encoding="utf-8"?>
+<file path=ppt/slides/slide16.xml><?xml version="1.0" encoding="utf-8"?>
 <p:sld xmlns:a="http://schemas.openxmlformats.org/drawingml/2006/main" xmlns:r="http://schemas.openxmlformats.org/officeDocument/2006/relationships" xmlns:p="http://schemas.openxmlformats.org/presentationml/2006/main">
   <p:cSld>
     <p:spTree>
@@ -6152,7 +6980,12 @@
             <p:ph type="title"/>
           </p:nvPr>
         </p:nvSpPr>
-        <p:spPr/>
+        <p:spPr>
+          <a:xfrm>
+            <a:off x="838200" y="365126"/>
+            <a:ext cx="10515600" cy="861002"/>
+          </a:xfrm>
+        </p:spPr>
         <p:txBody>
           <a:bodyPr/>
           <a:lstStyle/>
@@ -6216,7 +7049,7 @@
           <a:p>
             <a:fld id="{F1C6B191-D550-4A99-8ACB-75896EEB4A4C}" type="slidenum">
               <a:rPr lang="en-US" smtClean="0"/>
-              <a:t>14</a:t>
+              <a:t>16</a:t>
             </a:fld>
             <a:endParaRPr lang="en-US"/>
           </a:p>
@@ -6471,18 +7304,7 @@
           <a:bodyPr/>
           <a:lstStyle/>
           <a:p>
-            <a:r>
-              <a:rPr lang="en-US" dirty="0"/>
-              <a:t>Sticky notes, </a:t>
-            </a:r>
-            <a:r>
-              <a:rPr lang="en-US" dirty="0" err="1"/>
-              <a:t>Rmarkdowns</a:t>
-            </a:r>
-            <a:r>
-              <a:rPr lang="en-US" dirty="0"/>
-              <a:t>, PowerPoint &amp; live coding, “your turns”, mini-challenges, and neighborly collaboration is encouraged!</a:t>
-            </a:r>
+            <a:endParaRPr lang="en-US" dirty="0"/>
           </a:p>
         </p:txBody>
       </p:sp>
@@ -6573,12 +7395,69 @@
           <a:chExt cx="0" cy="0"/>
         </a:xfrm>
       </p:grpSpPr>
+      <p:sp>
+        <p:nvSpPr>
+          <p:cNvPr id="4" name="Footer Placeholder 3">
+            <a:extLst>
+              <a:ext uri="{FF2B5EF4-FFF2-40B4-BE49-F238E27FC236}">
+                <a16:creationId xmlns:a16="http://schemas.microsoft.com/office/drawing/2014/main" id="{62579C11-1B63-489B-8866-A0D89FFB3C78}"/>
+              </a:ext>
+            </a:extLst>
+          </p:cNvPr>
+          <p:cNvSpPr>
+            <a:spLocks noGrp="1"/>
+          </p:cNvSpPr>
+          <p:nvPr>
+            <p:ph type="ftr" sz="quarter" idx="11"/>
+          </p:nvPr>
+        </p:nvSpPr>
+        <p:spPr/>
+        <p:txBody>
+          <a:bodyPr/>
+          <a:lstStyle/>
+          <a:p>
+            <a:r>
+              <a:rPr lang="en-US"/>
+              <a:t>CERF 2019 | The Next Step with R | Cressman and Dunnigan</a:t>
+            </a:r>
+          </a:p>
+        </p:txBody>
+      </p:sp>
+      <p:sp>
+        <p:nvSpPr>
+          <p:cNvPr id="5" name="Slide Number Placeholder 4">
+            <a:extLst>
+              <a:ext uri="{FF2B5EF4-FFF2-40B4-BE49-F238E27FC236}">
+                <a16:creationId xmlns:a16="http://schemas.microsoft.com/office/drawing/2014/main" id="{07CAD449-4852-42A2-9914-FB630845F0EF}"/>
+              </a:ext>
+            </a:extLst>
+          </p:cNvPr>
+          <p:cNvSpPr>
+            <a:spLocks noGrp="1"/>
+          </p:cNvSpPr>
+          <p:nvPr>
+            <p:ph type="sldNum" sz="quarter" idx="12"/>
+          </p:nvPr>
+        </p:nvSpPr>
+        <p:spPr/>
+        <p:txBody>
+          <a:bodyPr/>
+          <a:lstStyle/>
+          <a:p>
+            <a:fld id="{F1C6B191-D550-4A99-8ACB-75896EEB4A4C}" type="slidenum">
+              <a:rPr lang="en-US" smtClean="0"/>
+              <a:t>4</a:t>
+            </a:fld>
+            <a:endParaRPr lang="en-US"/>
+          </a:p>
+        </p:txBody>
+      </p:sp>
       <p:pic>
         <p:nvPicPr>
-          <p:cNvPr id="4" name="Picture 3">
-            <a:extLst>
-              <a:ext uri="{FF2B5EF4-FFF2-40B4-BE49-F238E27FC236}">
-                <a16:creationId xmlns:a16="http://schemas.microsoft.com/office/drawing/2014/main" id="{F28B2008-9732-41C2-8785-0643FCFE822A}"/>
+          <p:cNvPr id="8" name="Picture 7">
+            <a:extLst>
+              <a:ext uri="{FF2B5EF4-FFF2-40B4-BE49-F238E27FC236}">
+                <a16:creationId xmlns:a16="http://schemas.microsoft.com/office/drawing/2014/main" id="{34D551D0-22CA-4064-BD2B-F8B7F71A0DE5}"/>
               </a:ext>
             </a:extLst>
           </p:cNvPr>
@@ -6587,15 +7466,16 @@
           </p:cNvPicPr>
           <p:nvPr/>
         </p:nvPicPr>
-        <p:blipFill rotWithShape="1">
-          <a:blip r:embed="rId3"/>
-          <a:srcRect b="5150"/>
-          <a:stretch/>
+        <p:blipFill>
+          <a:blip r:embed="rId2"/>
+          <a:stretch>
+            <a:fillRect/>
+          </a:stretch>
         </p:blipFill>
         <p:spPr>
           <a:xfrm>
-            <a:off x="0" y="-6672"/>
-            <a:ext cx="12192000" cy="6511167"/>
+            <a:off x="7906010" y="619462"/>
+            <a:ext cx="2076190" cy="5390476"/>
           </a:xfrm>
           <a:prstGeom prst="rect">
             <a:avLst/>
@@ -6604,10 +7484,10 @@
       </p:pic>
       <p:sp>
         <p:nvSpPr>
-          <p:cNvPr id="6" name="TextBox 5">
-            <a:extLst>
-              <a:ext uri="{FF2B5EF4-FFF2-40B4-BE49-F238E27FC236}">
-                <a16:creationId xmlns:a16="http://schemas.microsoft.com/office/drawing/2014/main" id="{A8679C71-E480-4E7D-A436-07075EE597BE}"/>
+          <p:cNvPr id="9" name="TextBox 8">
+            <a:extLst>
+              <a:ext uri="{FF2B5EF4-FFF2-40B4-BE49-F238E27FC236}">
+                <a16:creationId xmlns:a16="http://schemas.microsoft.com/office/drawing/2014/main" id="{669C604C-F355-4CEF-936D-6FB6F4DEB40E}"/>
               </a:ext>
             </a:extLst>
           </p:cNvPr>
@@ -6616,8 +7496,8 @@
         </p:nvSpPr>
         <p:spPr>
           <a:xfrm>
-            <a:off x="980389" y="2837468"/>
-            <a:ext cx="424206" cy="830997"/>
+            <a:off x="7906010" y="5906145"/>
+            <a:ext cx="2076190" cy="276999"/>
           </a:xfrm>
           <a:prstGeom prst="rect">
             <a:avLst/>
@@ -6630,16 +7510,16 @@
           </a:bodyPr>
           <a:lstStyle/>
           <a:p>
-            <a:r>
-              <a:rPr lang="en-US" sz="4800" dirty="0">
-                <a:solidFill>
-                  <a:schemeClr val="bg1">
-                    <a:lumMod val="75000"/>
-                  </a:schemeClr>
-                </a:solidFill>
-              </a:rPr>
-              <a:t>*</a:t>
-            </a:r>
+            <a:pPr algn="r"/>
+            <a:r>
+              <a:rPr lang="en-US" sz="1200" dirty="0"/>
+              <a:t>Image @</a:t>
+            </a:r>
+            <a:r>
+              <a:rPr lang="en-US" sz="1200" dirty="0" err="1"/>
+              <a:t>cwickham</a:t>
+            </a:r>
+            <a:endParaRPr lang="en-US" sz="1200" dirty="0"/>
           </a:p>
         </p:txBody>
       </p:sp>
@@ -6648,7 +7528,7 @@
           <p:cNvPr id="10" name="TextBox 9">
             <a:extLst>
               <a:ext uri="{FF2B5EF4-FFF2-40B4-BE49-F238E27FC236}">
-                <a16:creationId xmlns:a16="http://schemas.microsoft.com/office/drawing/2014/main" id="{807CDAFD-6C9C-4B6E-9D3D-4356854FA89E}"/>
+                <a16:creationId xmlns:a16="http://schemas.microsoft.com/office/drawing/2014/main" id="{007A3EBF-C8F2-4D90-978A-9A5570A09A37}"/>
               </a:ext>
             </a:extLst>
           </p:cNvPr>
@@ -6657,8 +7537,8 @@
         </p:nvSpPr>
         <p:spPr>
           <a:xfrm>
-            <a:off x="2971016" y="3435091"/>
-            <a:ext cx="424206" cy="830997"/>
+            <a:off x="2088573" y="852055"/>
+            <a:ext cx="5614555" cy="1200329"/>
           </a:xfrm>
           <a:prstGeom prst="rect">
             <a:avLst/>
@@ -6672,22 +7552,18 @@
           <a:lstStyle/>
           <a:p>
             <a:r>
-              <a:rPr lang="en-US" sz="4800" dirty="0">
-                <a:solidFill>
-                  <a:schemeClr val="accent1"/>
-                </a:solidFill>
-              </a:rPr>
-              <a:t>*</a:t>
-            </a:r>
-          </a:p>
-        </p:txBody>
-      </p:sp>
-      <p:sp>
-        <p:nvSpPr>
-          <p:cNvPr id="12" name="TextBox 11">
-            <a:extLst>
-              <a:ext uri="{FF2B5EF4-FFF2-40B4-BE49-F238E27FC236}">
-                <a16:creationId xmlns:a16="http://schemas.microsoft.com/office/drawing/2014/main" id="{E353645C-B0B0-4EAF-889C-68BECF4DF49C}"/>
+              <a:rPr lang="en-US" sz="3600" dirty="0"/>
+              <a:t>No sticky note: “I’m happily working on it”</a:t>
+            </a:r>
+          </a:p>
+        </p:txBody>
+      </p:sp>
+      <p:sp>
+        <p:nvSpPr>
+          <p:cNvPr id="11" name="TextBox 10">
+            <a:extLst>
+              <a:ext uri="{FF2B5EF4-FFF2-40B4-BE49-F238E27FC236}">
+                <a16:creationId xmlns:a16="http://schemas.microsoft.com/office/drawing/2014/main" id="{27E1CA7C-1B2C-4665-A9B0-B85986C25E53}"/>
               </a:ext>
             </a:extLst>
           </p:cNvPr>
@@ -6696,8 +7572,8 @@
         </p:nvSpPr>
         <p:spPr>
           <a:xfrm>
-            <a:off x="5329288" y="1749264"/>
-            <a:ext cx="424206" cy="830997"/>
+            <a:off x="2088573" y="2526055"/>
+            <a:ext cx="5696210" cy="1200329"/>
           </a:xfrm>
           <a:prstGeom prst="rect">
             <a:avLst/>
@@ -6711,22 +7587,26 @@
           <a:lstStyle/>
           <a:p>
             <a:r>
-              <a:rPr lang="en-US" sz="4800" dirty="0">
+              <a:rPr lang="en-US" sz="3600" b="1" dirty="0">
                 <a:solidFill>
-                  <a:schemeClr val="accent1"/>
+                  <a:schemeClr val="accent4"/>
                 </a:solidFill>
               </a:rPr>
-              <a:t>*</a:t>
-            </a:r>
-          </a:p>
-        </p:txBody>
-      </p:sp>
-      <p:sp>
-        <p:nvSpPr>
-          <p:cNvPr id="13" name="TextBox 12">
-            <a:extLst>
-              <a:ext uri="{FF2B5EF4-FFF2-40B4-BE49-F238E27FC236}">
-                <a16:creationId xmlns:a16="http://schemas.microsoft.com/office/drawing/2014/main" id="{8AE272A5-D685-499D-8DD4-A07C9733955F}"/>
+              <a:t>Purple</a:t>
+            </a:r>
+            <a:r>
+              <a:rPr lang="en-US" sz="3600" dirty="0"/>
+              <a:t> sticky note: “I’m all done and ready to move on”</a:t>
+            </a:r>
+          </a:p>
+        </p:txBody>
+      </p:sp>
+      <p:sp>
+        <p:nvSpPr>
+          <p:cNvPr id="12" name="TextBox 11">
+            <a:extLst>
+              <a:ext uri="{FF2B5EF4-FFF2-40B4-BE49-F238E27FC236}">
+                <a16:creationId xmlns:a16="http://schemas.microsoft.com/office/drawing/2014/main" id="{2F48CA53-BBFE-4740-912E-348EC3720CA7}"/>
               </a:ext>
             </a:extLst>
           </p:cNvPr>
@@ -6735,8 +7615,8 @@
         </p:nvSpPr>
         <p:spPr>
           <a:xfrm>
-            <a:off x="4961643" y="4173524"/>
-            <a:ext cx="424206" cy="830997"/>
+            <a:off x="2088573" y="4413151"/>
+            <a:ext cx="5772410" cy="1754326"/>
           </a:xfrm>
           <a:prstGeom prst="rect">
             <a:avLst/>
@@ -6750,116 +7630,35 @@
           <a:lstStyle/>
           <a:p>
             <a:r>
-              <a:rPr lang="en-US" sz="4800" dirty="0">
-                <a:solidFill>
-                  <a:schemeClr val="accent1"/>
-                </a:solidFill>
+              <a:rPr lang="en-US" sz="3600" b="1" dirty="0">
+                <a:highlight>
+                  <a:srgbClr val="FFFF00"/>
+                </a:highlight>
               </a:rPr>
-              <a:t>*</a:t>
-            </a:r>
-          </a:p>
-        </p:txBody>
-      </p:sp>
-      <p:sp>
-        <p:nvSpPr>
-          <p:cNvPr id="14" name="TextBox 13">
-            <a:extLst>
-              <a:ext uri="{FF2B5EF4-FFF2-40B4-BE49-F238E27FC236}">
-                <a16:creationId xmlns:a16="http://schemas.microsoft.com/office/drawing/2014/main" id="{381A57C4-0E07-4EF2-856B-F62B7881AD55}"/>
-              </a:ext>
-            </a:extLst>
-          </p:cNvPr>
-          <p:cNvSpPr txBox="1"/>
-          <p:nvPr/>
-        </p:nvSpPr>
-        <p:spPr>
-          <a:xfrm>
-            <a:off x="6273539" y="3117722"/>
-            <a:ext cx="424206" cy="830997"/>
-          </a:xfrm>
-          <a:prstGeom prst="rect">
-            <a:avLst/>
-          </a:prstGeom>
-          <a:noFill/>
-        </p:spPr>
-        <p:txBody>
-          <a:bodyPr wrap="square" rtlCol="0">
-            <a:spAutoFit/>
-          </a:bodyPr>
-          <a:lstStyle/>
-          <a:p>
-            <a:r>
-              <a:rPr lang="en-US" sz="4800" dirty="0">
-                <a:solidFill>
-                  <a:schemeClr val="accent6"/>
-                </a:solidFill>
+              <a:t>Yellow</a:t>
+            </a:r>
+            <a:r>
+              <a:rPr lang="en-US" sz="3600" dirty="0"/>
+              <a:t> sticky note: “I’m stuck, can someone help me?” </a:t>
+            </a:r>
+          </a:p>
+          <a:p>
+            <a:r>
+              <a:rPr lang="en-US" sz="3600" dirty="0">
+                <a:latin typeface="+mj-lt"/>
               </a:rPr>
-              <a:t>*</a:t>
-            </a:r>
-          </a:p>
-        </p:txBody>
-      </p:sp>
-      <p:sp>
-        <p:nvSpPr>
-          <p:cNvPr id="2" name="Footer Placeholder 1">
-            <a:extLst>
-              <a:ext uri="{FF2B5EF4-FFF2-40B4-BE49-F238E27FC236}">
-                <a16:creationId xmlns:a16="http://schemas.microsoft.com/office/drawing/2014/main" id="{FB8749F1-4CD8-4261-9BF3-5E171BCF0422}"/>
-              </a:ext>
-            </a:extLst>
-          </p:cNvPr>
-          <p:cNvSpPr>
-            <a:spLocks noGrp="1"/>
-          </p:cNvSpPr>
-          <p:nvPr>
-            <p:ph type="ftr" sz="quarter" idx="11"/>
-          </p:nvPr>
-        </p:nvSpPr>
-        <p:spPr/>
-        <p:txBody>
-          <a:bodyPr/>
-          <a:lstStyle/>
-          <a:p>
-            <a:r>
-              <a:rPr lang="en-US"/>
-              <a:t>CERF 2019 | The Next Step with R | Cressman and Dunnigan</a:t>
-            </a:r>
-          </a:p>
-        </p:txBody>
-      </p:sp>
-      <p:sp>
-        <p:nvSpPr>
-          <p:cNvPr id="3" name="Slide Number Placeholder 2">
-            <a:extLst>
-              <a:ext uri="{FF2B5EF4-FFF2-40B4-BE49-F238E27FC236}">
-                <a16:creationId xmlns:a16="http://schemas.microsoft.com/office/drawing/2014/main" id="{FCAC21D8-3BFF-4B8C-ADBB-A53CA27A537B}"/>
-              </a:ext>
-            </a:extLst>
-          </p:cNvPr>
-          <p:cNvSpPr>
-            <a:spLocks noGrp="1"/>
-          </p:cNvSpPr>
-          <p:nvPr>
-            <p:ph type="sldNum" sz="quarter" idx="12"/>
-          </p:nvPr>
-        </p:nvSpPr>
-        <p:spPr/>
-        <p:txBody>
-          <a:bodyPr/>
-          <a:lstStyle/>
-          <a:p>
-            <a:fld id="{F1C6B191-D550-4A99-8ACB-75896EEB4A4C}" type="slidenum">
-              <a:rPr lang="en-US" smtClean="0"/>
-              <a:t>4</a:t>
-            </a:fld>
-            <a:endParaRPr lang="en-US"/>
+              <a:t>(or flag us down)</a:t>
+            </a:r>
+            <a:endParaRPr lang="en-US" sz="4000" dirty="0">
+              <a:latin typeface="+mj-lt"/>
+            </a:endParaRPr>
           </a:p>
         </p:txBody>
       </p:sp>
     </p:spTree>
     <p:extLst>
       <p:ext uri="{BB962C8B-B14F-4D97-AF65-F5344CB8AC3E}">
-        <p14:creationId xmlns:p14="http://schemas.microsoft.com/office/powerpoint/2010/main" val="2451001794"/>
+        <p14:creationId xmlns:p14="http://schemas.microsoft.com/office/powerpoint/2010/main" val="569739406"/>
       </p:ext>
     </p:extLst>
   </p:cSld>
@@ -6888,66 +7687,10 @@
       </p:grpSpPr>
       <p:sp>
         <p:nvSpPr>
-          <p:cNvPr id="2" name="Title 1">
-            <a:extLst>
-              <a:ext uri="{FF2B5EF4-FFF2-40B4-BE49-F238E27FC236}">
-                <a16:creationId xmlns:a16="http://schemas.microsoft.com/office/drawing/2014/main" id="{6035C76E-7FDB-4F56-90D3-B159A34D0509}"/>
-              </a:ext>
-            </a:extLst>
-          </p:cNvPr>
-          <p:cNvSpPr>
-            <a:spLocks noGrp="1"/>
-          </p:cNvSpPr>
-          <p:nvPr>
-            <p:ph type="title"/>
-          </p:nvPr>
-        </p:nvSpPr>
-        <p:spPr/>
-        <p:txBody>
-          <a:bodyPr/>
-          <a:lstStyle/>
-          <a:p>
-            <a:r>
-              <a:rPr lang="en-US" dirty="0"/>
-              <a:t>Workflow Basics</a:t>
-            </a:r>
-          </a:p>
-        </p:txBody>
-      </p:sp>
-      <p:sp>
-        <p:nvSpPr>
-          <p:cNvPr id="3" name="Text Placeholder 2">
-            <a:extLst>
-              <a:ext uri="{FF2B5EF4-FFF2-40B4-BE49-F238E27FC236}">
-                <a16:creationId xmlns:a16="http://schemas.microsoft.com/office/drawing/2014/main" id="{D3431300-9F9D-467A-9FC5-2B078A05B24F}"/>
-              </a:ext>
-            </a:extLst>
-          </p:cNvPr>
-          <p:cNvSpPr>
-            <a:spLocks noGrp="1"/>
-          </p:cNvSpPr>
-          <p:nvPr>
-            <p:ph type="body" idx="1"/>
-          </p:nvPr>
-        </p:nvSpPr>
-        <p:spPr/>
-        <p:txBody>
-          <a:bodyPr/>
-          <a:lstStyle/>
-          <a:p>
-            <a:r>
-              <a:rPr lang="en-US" dirty="0"/>
-              <a:t>Tips and tricks to making your R work more productive</a:t>
-            </a:r>
-          </a:p>
-        </p:txBody>
-      </p:sp>
-      <p:sp>
-        <p:nvSpPr>
-          <p:cNvPr id="4" name="Footer Placeholder 3">
-            <a:extLst>
-              <a:ext uri="{FF2B5EF4-FFF2-40B4-BE49-F238E27FC236}">
-                <a16:creationId xmlns:a16="http://schemas.microsoft.com/office/drawing/2014/main" id="{CE436522-37B9-4CB6-ABB1-A89C58810FB3}"/>
+          <p:cNvPr id="2" name="Footer Placeholder 1">
+            <a:extLst>
+              <a:ext uri="{FF2B5EF4-FFF2-40B4-BE49-F238E27FC236}">
+                <a16:creationId xmlns:a16="http://schemas.microsoft.com/office/drawing/2014/main" id="{EFF4A985-9CB0-4899-AC84-C4BF373234C4}"/>
               </a:ext>
             </a:extLst>
           </p:cNvPr>
@@ -6972,10 +7715,10 @@
       </p:sp>
       <p:sp>
         <p:nvSpPr>
-          <p:cNvPr id="5" name="Slide Number Placeholder 4">
-            <a:extLst>
-              <a:ext uri="{FF2B5EF4-FFF2-40B4-BE49-F238E27FC236}">
-                <a16:creationId xmlns:a16="http://schemas.microsoft.com/office/drawing/2014/main" id="{16705DEF-FC95-4189-A26B-8F2AE5C789D8}"/>
+          <p:cNvPr id="3" name="Slide Number Placeholder 2">
+            <a:extLst>
+              <a:ext uri="{FF2B5EF4-FFF2-40B4-BE49-F238E27FC236}">
+                <a16:creationId xmlns:a16="http://schemas.microsoft.com/office/drawing/2014/main" id="{C58687A4-1FD1-420E-B7F4-D014222BA252}"/>
               </a:ext>
             </a:extLst>
           </p:cNvPr>
@@ -6999,10 +7742,40 @@
           </a:p>
         </p:txBody>
       </p:sp>
+      <p:pic>
+        <p:nvPicPr>
+          <p:cNvPr id="4" name="Picture 3">
+            <a:extLst>
+              <a:ext uri="{FF2B5EF4-FFF2-40B4-BE49-F238E27FC236}">
+                <a16:creationId xmlns:a16="http://schemas.microsoft.com/office/drawing/2014/main" id="{3358A314-E827-44A6-BF82-BCCFECB747EB}"/>
+              </a:ext>
+            </a:extLst>
+          </p:cNvPr>
+          <p:cNvPicPr>
+            <a:picLocks noChangeAspect="1"/>
+          </p:cNvPicPr>
+          <p:nvPr/>
+        </p:nvPicPr>
+        <p:blipFill>
+          <a:blip r:embed="rId2"/>
+          <a:stretch>
+            <a:fillRect/>
+          </a:stretch>
+        </p:blipFill>
+        <p:spPr>
+          <a:xfrm>
+            <a:off x="3532618" y="887987"/>
+            <a:ext cx="5126764" cy="4794275"/>
+          </a:xfrm>
+          <a:prstGeom prst="rect">
+            <a:avLst/>
+          </a:prstGeom>
+        </p:spPr>
+      </p:pic>
     </p:spTree>
     <p:extLst>
       <p:ext uri="{BB962C8B-B14F-4D97-AF65-F5344CB8AC3E}">
-        <p14:creationId xmlns:p14="http://schemas.microsoft.com/office/powerpoint/2010/main" val="4254432749"/>
+        <p14:creationId xmlns:p14="http://schemas.microsoft.com/office/powerpoint/2010/main" val="3098632529"/>
       </p:ext>
     </p:extLst>
   </p:cSld>
@@ -7029,70 +7802,228 @@
           <a:chExt cx="0" cy="0"/>
         </a:xfrm>
       </p:grpSpPr>
-      <p:sp>
-        <p:nvSpPr>
-          <p:cNvPr id="4" name="Title 3">
-            <a:extLst>
-              <a:ext uri="{FF2B5EF4-FFF2-40B4-BE49-F238E27FC236}">
-                <a16:creationId xmlns:a16="http://schemas.microsoft.com/office/drawing/2014/main" id="{B407D28C-34DA-43B3-9228-486337F4D7CE}"/>
-              </a:ext>
-            </a:extLst>
-          </p:cNvPr>
-          <p:cNvSpPr>
-            <a:spLocks noGrp="1"/>
-          </p:cNvSpPr>
-          <p:nvPr>
-            <p:ph type="title"/>
-          </p:nvPr>
-        </p:nvSpPr>
-        <p:spPr/>
-        <p:txBody>
-          <a:bodyPr/>
-          <a:lstStyle/>
-          <a:p>
-            <a:r>
-              <a:rPr lang="en-US" dirty="0"/>
-              <a:t>Workflow Basics: </a:t>
-            </a:r>
-            <a:br>
-              <a:rPr lang="en-US" dirty="0"/>
-            </a:br>
-            <a:r>
-              <a:rPr lang="en-US" sz="3200" dirty="0"/>
-              <a:t>Tips and tricks to making your R work more productive</a:t>
-            </a:r>
-            <a:endParaRPr lang="en-US" dirty="0"/>
-          </a:p>
-        </p:txBody>
-      </p:sp>
-      <p:sp>
-        <p:nvSpPr>
-          <p:cNvPr id="5" name="Content Placeholder 4">
-            <a:extLst>
-              <a:ext uri="{FF2B5EF4-FFF2-40B4-BE49-F238E27FC236}">
-                <a16:creationId xmlns:a16="http://schemas.microsoft.com/office/drawing/2014/main" id="{93F1C196-FC76-4545-B10C-28B7F35BAA68}"/>
-              </a:ext>
-            </a:extLst>
-          </p:cNvPr>
-          <p:cNvSpPr>
-            <a:spLocks noGrp="1"/>
-          </p:cNvSpPr>
-          <p:nvPr>
-            <p:ph idx="1"/>
-          </p:nvPr>
-        </p:nvSpPr>
-        <p:spPr/>
-        <p:txBody>
-          <a:bodyPr/>
-          <a:lstStyle/>
-          <a:p>
-            <a:pPr marL="514350" indent="-514350">
-              <a:buFont typeface="+mj-lt"/>
-              <a:buAutoNum type="arabicPeriod"/>
-            </a:pPr>
-            <a:r>
-              <a:rPr lang="en-US" dirty="0"/>
-              <a:t>Save the source, not the workspace</a:t>
+      <p:pic>
+        <p:nvPicPr>
+          <p:cNvPr id="4" name="Picture 3">
+            <a:extLst>
+              <a:ext uri="{FF2B5EF4-FFF2-40B4-BE49-F238E27FC236}">
+                <a16:creationId xmlns:a16="http://schemas.microsoft.com/office/drawing/2014/main" id="{F28B2008-9732-41C2-8785-0643FCFE822A}"/>
+              </a:ext>
+            </a:extLst>
+          </p:cNvPr>
+          <p:cNvPicPr>
+            <a:picLocks noChangeAspect="1"/>
+          </p:cNvPicPr>
+          <p:nvPr/>
+        </p:nvPicPr>
+        <p:blipFill rotWithShape="1">
+          <a:blip r:embed="rId3"/>
+          <a:srcRect b="5150"/>
+          <a:stretch/>
+        </p:blipFill>
+        <p:spPr>
+          <a:xfrm>
+            <a:off x="0" y="-6672"/>
+            <a:ext cx="12192000" cy="6511167"/>
+          </a:xfrm>
+          <a:prstGeom prst="rect">
+            <a:avLst/>
+          </a:prstGeom>
+        </p:spPr>
+      </p:pic>
+      <p:sp>
+        <p:nvSpPr>
+          <p:cNvPr id="6" name="TextBox 5">
+            <a:extLst>
+              <a:ext uri="{FF2B5EF4-FFF2-40B4-BE49-F238E27FC236}">
+                <a16:creationId xmlns:a16="http://schemas.microsoft.com/office/drawing/2014/main" id="{A8679C71-E480-4E7D-A436-07075EE597BE}"/>
+              </a:ext>
+            </a:extLst>
+          </p:cNvPr>
+          <p:cNvSpPr txBox="1"/>
+          <p:nvPr/>
+        </p:nvSpPr>
+        <p:spPr>
+          <a:xfrm>
+            <a:off x="980389" y="2837468"/>
+            <a:ext cx="424206" cy="830997"/>
+          </a:xfrm>
+          <a:prstGeom prst="rect">
+            <a:avLst/>
+          </a:prstGeom>
+          <a:noFill/>
+        </p:spPr>
+        <p:txBody>
+          <a:bodyPr wrap="square" rtlCol="0">
+            <a:spAutoFit/>
+          </a:bodyPr>
+          <a:lstStyle/>
+          <a:p>
+            <a:r>
+              <a:rPr lang="en-US" sz="4800" dirty="0">
+                <a:solidFill>
+                  <a:schemeClr val="bg1">
+                    <a:lumMod val="75000"/>
+                  </a:schemeClr>
+                </a:solidFill>
+              </a:rPr>
+              <a:t>*</a:t>
+            </a:r>
+          </a:p>
+        </p:txBody>
+      </p:sp>
+      <p:sp>
+        <p:nvSpPr>
+          <p:cNvPr id="10" name="TextBox 9">
+            <a:extLst>
+              <a:ext uri="{FF2B5EF4-FFF2-40B4-BE49-F238E27FC236}">
+                <a16:creationId xmlns:a16="http://schemas.microsoft.com/office/drawing/2014/main" id="{807CDAFD-6C9C-4B6E-9D3D-4356854FA89E}"/>
+              </a:ext>
+            </a:extLst>
+          </p:cNvPr>
+          <p:cNvSpPr txBox="1"/>
+          <p:nvPr/>
+        </p:nvSpPr>
+        <p:spPr>
+          <a:xfrm>
+            <a:off x="2971016" y="3435091"/>
+            <a:ext cx="424206" cy="830997"/>
+          </a:xfrm>
+          <a:prstGeom prst="rect">
+            <a:avLst/>
+          </a:prstGeom>
+          <a:noFill/>
+        </p:spPr>
+        <p:txBody>
+          <a:bodyPr wrap="square" rtlCol="0">
+            <a:spAutoFit/>
+          </a:bodyPr>
+          <a:lstStyle/>
+          <a:p>
+            <a:r>
+              <a:rPr lang="en-US" sz="4800" dirty="0">
+                <a:solidFill>
+                  <a:schemeClr val="accent1"/>
+                </a:solidFill>
+              </a:rPr>
+              <a:t>*</a:t>
+            </a:r>
+          </a:p>
+        </p:txBody>
+      </p:sp>
+      <p:sp>
+        <p:nvSpPr>
+          <p:cNvPr id="12" name="TextBox 11">
+            <a:extLst>
+              <a:ext uri="{FF2B5EF4-FFF2-40B4-BE49-F238E27FC236}">
+                <a16:creationId xmlns:a16="http://schemas.microsoft.com/office/drawing/2014/main" id="{E353645C-B0B0-4EAF-889C-68BECF4DF49C}"/>
+              </a:ext>
+            </a:extLst>
+          </p:cNvPr>
+          <p:cNvSpPr txBox="1"/>
+          <p:nvPr/>
+        </p:nvSpPr>
+        <p:spPr>
+          <a:xfrm>
+            <a:off x="5329288" y="1749264"/>
+            <a:ext cx="424206" cy="830997"/>
+          </a:xfrm>
+          <a:prstGeom prst="rect">
+            <a:avLst/>
+          </a:prstGeom>
+          <a:noFill/>
+        </p:spPr>
+        <p:txBody>
+          <a:bodyPr wrap="square" rtlCol="0">
+            <a:spAutoFit/>
+          </a:bodyPr>
+          <a:lstStyle/>
+          <a:p>
+            <a:r>
+              <a:rPr lang="en-US" sz="4800" dirty="0">
+                <a:solidFill>
+                  <a:schemeClr val="accent1"/>
+                </a:solidFill>
+              </a:rPr>
+              <a:t>*</a:t>
+            </a:r>
+          </a:p>
+        </p:txBody>
+      </p:sp>
+      <p:sp>
+        <p:nvSpPr>
+          <p:cNvPr id="13" name="TextBox 12">
+            <a:extLst>
+              <a:ext uri="{FF2B5EF4-FFF2-40B4-BE49-F238E27FC236}">
+                <a16:creationId xmlns:a16="http://schemas.microsoft.com/office/drawing/2014/main" id="{8AE272A5-D685-499D-8DD4-A07C9733955F}"/>
+              </a:ext>
+            </a:extLst>
+          </p:cNvPr>
+          <p:cNvSpPr txBox="1"/>
+          <p:nvPr/>
+        </p:nvSpPr>
+        <p:spPr>
+          <a:xfrm>
+            <a:off x="4961643" y="4173524"/>
+            <a:ext cx="424206" cy="830997"/>
+          </a:xfrm>
+          <a:prstGeom prst="rect">
+            <a:avLst/>
+          </a:prstGeom>
+          <a:noFill/>
+        </p:spPr>
+        <p:txBody>
+          <a:bodyPr wrap="square" rtlCol="0">
+            <a:spAutoFit/>
+          </a:bodyPr>
+          <a:lstStyle/>
+          <a:p>
+            <a:r>
+              <a:rPr lang="en-US" sz="4800" dirty="0">
+                <a:solidFill>
+                  <a:schemeClr val="accent1"/>
+                </a:solidFill>
+              </a:rPr>
+              <a:t>*</a:t>
+            </a:r>
+          </a:p>
+        </p:txBody>
+      </p:sp>
+      <p:sp>
+        <p:nvSpPr>
+          <p:cNvPr id="14" name="TextBox 13">
+            <a:extLst>
+              <a:ext uri="{FF2B5EF4-FFF2-40B4-BE49-F238E27FC236}">
+                <a16:creationId xmlns:a16="http://schemas.microsoft.com/office/drawing/2014/main" id="{381A57C4-0E07-4EF2-856B-F62B7881AD55}"/>
+              </a:ext>
+            </a:extLst>
+          </p:cNvPr>
+          <p:cNvSpPr txBox="1"/>
+          <p:nvPr/>
+        </p:nvSpPr>
+        <p:spPr>
+          <a:xfrm>
+            <a:off x="6273539" y="3117722"/>
+            <a:ext cx="424206" cy="830997"/>
+          </a:xfrm>
+          <a:prstGeom prst="rect">
+            <a:avLst/>
+          </a:prstGeom>
+          <a:noFill/>
+        </p:spPr>
+        <p:txBody>
+          <a:bodyPr wrap="square" rtlCol="0">
+            <a:spAutoFit/>
+          </a:bodyPr>
+          <a:lstStyle/>
+          <a:p>
+            <a:r>
+              <a:rPr lang="en-US" sz="4800" dirty="0">
+                <a:solidFill>
+                  <a:schemeClr val="accent6"/>
+                </a:solidFill>
+              </a:rPr>
+              <a:t>*</a:t>
             </a:r>
           </a:p>
         </p:txBody>
@@ -7102,7 +8033,7 @@
           <p:cNvPr id="2" name="Footer Placeholder 1">
             <a:extLst>
               <a:ext uri="{FF2B5EF4-FFF2-40B4-BE49-F238E27FC236}">
-                <a16:creationId xmlns:a16="http://schemas.microsoft.com/office/drawing/2014/main" id="{600E8C9B-1DF5-44B4-BAC3-83A357BD6F12}"/>
+                <a16:creationId xmlns:a16="http://schemas.microsoft.com/office/drawing/2014/main" id="{FB8749F1-4CD8-4261-9BF3-5E171BCF0422}"/>
               </a:ext>
             </a:extLst>
           </p:cNvPr>
@@ -7130,7 +8061,7 @@
           <p:cNvPr id="3" name="Slide Number Placeholder 2">
             <a:extLst>
               <a:ext uri="{FF2B5EF4-FFF2-40B4-BE49-F238E27FC236}">
-                <a16:creationId xmlns:a16="http://schemas.microsoft.com/office/drawing/2014/main" id="{1A8B9DAD-545E-4CF6-8014-7C5DE55B7AE5}"/>
+                <a16:creationId xmlns:a16="http://schemas.microsoft.com/office/drawing/2014/main" id="{FCAC21D8-3BFF-4B8C-ADBB-A53CA27A537B}"/>
               </a:ext>
             </a:extLst>
           </p:cNvPr>
@@ -7157,7 +8088,7 @@
     </p:spTree>
     <p:extLst>
       <p:ext uri="{BB962C8B-B14F-4D97-AF65-F5344CB8AC3E}">
-        <p14:creationId xmlns:p14="http://schemas.microsoft.com/office/powerpoint/2010/main" val="137757994"/>
+        <p14:creationId xmlns:p14="http://schemas.microsoft.com/office/powerpoint/2010/main" val="2451001794"/>
       </p:ext>
     </p:extLst>
   </p:cSld>
@@ -7186,10 +8117,10 @@
       </p:grpSpPr>
       <p:sp>
         <p:nvSpPr>
-          <p:cNvPr id="4" name="Title 3">
-            <a:extLst>
-              <a:ext uri="{FF2B5EF4-FFF2-40B4-BE49-F238E27FC236}">
-                <a16:creationId xmlns:a16="http://schemas.microsoft.com/office/drawing/2014/main" id="{B407D28C-34DA-43B3-9228-486337F4D7CE}"/>
+          <p:cNvPr id="2" name="Title 1">
+            <a:extLst>
+              <a:ext uri="{FF2B5EF4-FFF2-40B4-BE49-F238E27FC236}">
+                <a16:creationId xmlns:a16="http://schemas.microsoft.com/office/drawing/2014/main" id="{6035C76E-7FDB-4F56-90D3-B159A34D0509}"/>
               </a:ext>
             </a:extLst>
           </p:cNvPr>
@@ -7207,73 +8138,45 @@
           <a:p>
             <a:r>
               <a:rPr lang="en-US" dirty="0"/>
-              <a:t>Workflow Basics: </a:t>
-            </a:r>
-            <a:br>
+              <a:t>Workflow Basics</a:t>
+            </a:r>
+          </a:p>
+        </p:txBody>
+      </p:sp>
+      <p:sp>
+        <p:nvSpPr>
+          <p:cNvPr id="3" name="Text Placeholder 2">
+            <a:extLst>
+              <a:ext uri="{FF2B5EF4-FFF2-40B4-BE49-F238E27FC236}">
+                <a16:creationId xmlns:a16="http://schemas.microsoft.com/office/drawing/2014/main" id="{D3431300-9F9D-467A-9FC5-2B078A05B24F}"/>
+              </a:ext>
+            </a:extLst>
+          </p:cNvPr>
+          <p:cNvSpPr>
+            <a:spLocks noGrp="1"/>
+          </p:cNvSpPr>
+          <p:nvPr>
+            <p:ph type="body" idx="1"/>
+          </p:nvPr>
+        </p:nvSpPr>
+        <p:spPr/>
+        <p:txBody>
+          <a:bodyPr/>
+          <a:lstStyle/>
+          <a:p>
+            <a:r>
               <a:rPr lang="en-US" dirty="0"/>
-            </a:br>
-            <a:r>
-              <a:rPr lang="en-US" sz="3200" dirty="0"/>
               <a:t>Tips and tricks to making your R work more productive</a:t>
             </a:r>
-            <a:endParaRPr lang="en-US" dirty="0"/>
-          </a:p>
-        </p:txBody>
-      </p:sp>
-      <p:sp>
-        <p:nvSpPr>
-          <p:cNvPr id="5" name="Content Placeholder 4">
-            <a:extLst>
-              <a:ext uri="{FF2B5EF4-FFF2-40B4-BE49-F238E27FC236}">
-                <a16:creationId xmlns:a16="http://schemas.microsoft.com/office/drawing/2014/main" id="{93F1C196-FC76-4545-B10C-28B7F35BAA68}"/>
-              </a:ext>
-            </a:extLst>
-          </p:cNvPr>
-          <p:cNvSpPr>
-            <a:spLocks noGrp="1"/>
-          </p:cNvSpPr>
-          <p:nvPr>
-            <p:ph idx="1"/>
-          </p:nvPr>
-        </p:nvSpPr>
-        <p:spPr/>
-        <p:txBody>
-          <a:bodyPr/>
-          <a:lstStyle/>
-          <a:p>
-            <a:pPr marL="514350" indent="-514350">
-              <a:buFont typeface="+mj-lt"/>
-              <a:buAutoNum type="arabicPeriod"/>
-            </a:pPr>
-            <a:r>
-              <a:rPr lang="en-US" dirty="0">
-                <a:solidFill>
-                  <a:schemeClr val="bg1">
-                    <a:lumMod val="75000"/>
-                  </a:schemeClr>
-                </a:solidFill>
-              </a:rPr>
-              <a:t>Save the source, not the workspace</a:t>
-            </a:r>
-          </a:p>
-          <a:p>
-            <a:pPr marL="514350" indent="-514350">
-              <a:buFont typeface="+mj-lt"/>
-              <a:buAutoNum type="arabicPeriod"/>
-            </a:pPr>
-            <a:r>
-              <a:rPr lang="en-US" dirty="0"/>
-              <a:t>Use an IDE (integrated development environment), like RStudio</a:t>
-            </a:r>
-          </a:p>
-        </p:txBody>
-      </p:sp>
-      <p:sp>
-        <p:nvSpPr>
-          <p:cNvPr id="2" name="Footer Placeholder 1">
-            <a:extLst>
-              <a:ext uri="{FF2B5EF4-FFF2-40B4-BE49-F238E27FC236}">
-                <a16:creationId xmlns:a16="http://schemas.microsoft.com/office/drawing/2014/main" id="{81A300BB-7F40-4C57-8881-C6B09C47F7C0}"/>
+          </a:p>
+        </p:txBody>
+      </p:sp>
+      <p:sp>
+        <p:nvSpPr>
+          <p:cNvPr id="4" name="Footer Placeholder 3">
+            <a:extLst>
+              <a:ext uri="{FF2B5EF4-FFF2-40B4-BE49-F238E27FC236}">
+                <a16:creationId xmlns:a16="http://schemas.microsoft.com/office/drawing/2014/main" id="{CE436522-37B9-4CB6-ABB1-A89C58810FB3}"/>
               </a:ext>
             </a:extLst>
           </p:cNvPr>
@@ -7298,10 +8201,10 @@
       </p:sp>
       <p:sp>
         <p:nvSpPr>
-          <p:cNvPr id="3" name="Slide Number Placeholder 2">
-            <a:extLst>
-              <a:ext uri="{FF2B5EF4-FFF2-40B4-BE49-F238E27FC236}">
-                <a16:creationId xmlns:a16="http://schemas.microsoft.com/office/drawing/2014/main" id="{2FB97827-2F9B-45FD-862D-9BC09E415F7E}"/>
+          <p:cNvPr id="5" name="Slide Number Placeholder 4">
+            <a:extLst>
+              <a:ext uri="{FF2B5EF4-FFF2-40B4-BE49-F238E27FC236}">
+                <a16:creationId xmlns:a16="http://schemas.microsoft.com/office/drawing/2014/main" id="{16705DEF-FC95-4189-A26B-8F2AE5C789D8}"/>
               </a:ext>
             </a:extLst>
           </p:cNvPr>
@@ -7328,7 +8231,7 @@
     </p:spTree>
     <p:extLst>
       <p:ext uri="{BB962C8B-B14F-4D97-AF65-F5344CB8AC3E}">
-        <p14:creationId xmlns:p14="http://schemas.microsoft.com/office/powerpoint/2010/main" val="4172676054"/>
+        <p14:creationId xmlns:p14="http://schemas.microsoft.com/office/powerpoint/2010/main" val="4254432749"/>
       </p:ext>
     </p:extLst>
   </p:cSld>
@@ -7417,42 +8320,10 @@
               <a:buAutoNum type="arabicPeriod"/>
             </a:pPr>
             <a:r>
-              <a:rPr lang="en-US" dirty="0">
-                <a:solidFill>
-                  <a:schemeClr val="bg1">
-                    <a:lumMod val="75000"/>
-                  </a:schemeClr>
-                </a:solidFill>
-              </a:rPr>
+              <a:rPr lang="en-US" dirty="0"/>
               <a:t>Save the source, not the workspace</a:t>
             </a:r>
           </a:p>
-          <a:p>
-            <a:pPr marL="514350" indent="-514350">
-              <a:buFont typeface="+mj-lt"/>
-              <a:buAutoNum type="arabicPeriod"/>
-            </a:pPr>
-            <a:r>
-              <a:rPr lang="en-US" dirty="0">
-                <a:solidFill>
-                  <a:schemeClr val="bg1">
-                    <a:lumMod val="75000"/>
-                  </a:schemeClr>
-                </a:solidFill>
-              </a:rPr>
-              <a:t>Use an IDE (integrated development environment), like RStudio</a:t>
-            </a:r>
-          </a:p>
-          <a:p>
-            <a:pPr marL="514350" indent="-514350">
-              <a:buFont typeface="+mj-lt"/>
-              <a:buAutoNum type="arabicPeriod"/>
-            </a:pPr>
-            <a:r>
-              <a:rPr lang="en-US" dirty="0"/>
-              <a:t>Project-oriented workflow</a:t>
-            </a:r>
-          </a:p>
         </p:txBody>
       </p:sp>
       <p:sp>
@@ -7460,7 +8331,7 @@
           <p:cNvPr id="2" name="Footer Placeholder 1">
             <a:extLst>
               <a:ext uri="{FF2B5EF4-FFF2-40B4-BE49-F238E27FC236}">
-                <a16:creationId xmlns:a16="http://schemas.microsoft.com/office/drawing/2014/main" id="{8A14FCF1-C8DF-4DEB-ADD5-F0EC1A4B9CEA}"/>
+                <a16:creationId xmlns:a16="http://schemas.microsoft.com/office/drawing/2014/main" id="{600E8C9B-1DF5-44B4-BAC3-83A357BD6F12}"/>
               </a:ext>
             </a:extLst>
           </p:cNvPr>
@@ -7488,7 +8359,7 @@
           <p:cNvPr id="3" name="Slide Number Placeholder 2">
             <a:extLst>
               <a:ext uri="{FF2B5EF4-FFF2-40B4-BE49-F238E27FC236}">
-                <a16:creationId xmlns:a16="http://schemas.microsoft.com/office/drawing/2014/main" id="{5AEE37ED-086D-41C0-9CBC-F1860002C90F}"/>
+                <a16:creationId xmlns:a16="http://schemas.microsoft.com/office/drawing/2014/main" id="{1A8B9DAD-545E-4CF6-8014-7C5DE55B7AE5}"/>
               </a:ext>
             </a:extLst>
           </p:cNvPr>
@@ -7515,7 +8386,7 @@
     </p:spTree>
     <p:extLst>
       <p:ext uri="{BB962C8B-B14F-4D97-AF65-F5344CB8AC3E}">
-        <p14:creationId xmlns:p14="http://schemas.microsoft.com/office/powerpoint/2010/main" val="882358253"/>
+        <p14:creationId xmlns:p14="http://schemas.microsoft.com/office/powerpoint/2010/main" val="137757994"/>
       </p:ext>
     </p:extLst>
   </p:cSld>
@@ -7620,54 +8491,10 @@
               <a:buAutoNum type="arabicPeriod"/>
             </a:pPr>
             <a:r>
-              <a:rPr lang="en-US" dirty="0">
-                <a:solidFill>
-                  <a:schemeClr val="bg1">
-                    <a:lumMod val="75000"/>
-                  </a:schemeClr>
-                </a:solidFill>
-              </a:rPr>
+              <a:rPr lang="en-US" dirty="0"/>
               <a:t>Use an IDE (integrated development environment), like RStudio</a:t>
             </a:r>
           </a:p>
-          <a:p>
-            <a:pPr marL="514350" indent="-514350">
-              <a:buFont typeface="+mj-lt"/>
-              <a:buAutoNum type="arabicPeriod"/>
-            </a:pPr>
-            <a:r>
-              <a:rPr lang="en-US" dirty="0">
-                <a:solidFill>
-                  <a:schemeClr val="bg1">
-                    <a:lumMod val="75000"/>
-                  </a:schemeClr>
-                </a:solidFill>
-              </a:rPr>
-              <a:t>Project-oriented workflow</a:t>
-            </a:r>
-          </a:p>
-          <a:p>
-            <a:pPr marL="514350" indent="-514350">
-              <a:buFont typeface="+mj-lt"/>
-              <a:buAutoNum type="arabicPeriod"/>
-            </a:pPr>
-            <a:r>
-              <a:rPr lang="en-US" dirty="0"/>
-              <a:t>Use projects and the `</a:t>
-            </a:r>
-            <a:r>
-              <a:rPr lang="en-US" dirty="0">
-                <a:latin typeface="Fira Code" panose="020B0809050000020004" pitchFamily="49" charset="0"/>
-                <a:ea typeface="Fira Code" panose="020B0809050000020004" pitchFamily="49" charset="0"/>
-                <a:cs typeface="Fira Code" panose="020B0809050000020004" pitchFamily="49" charset="0"/>
-              </a:rPr>
-              <a:t>here</a:t>
-            </a:r>
-            <a:r>
-              <a:rPr lang="en-US" dirty="0"/>
-              <a:t>` package</a:t>
-            </a:r>
-          </a:p>
         </p:txBody>
       </p:sp>
       <p:sp>
@@ -7675,7 +8502,7 @@
           <p:cNvPr id="2" name="Footer Placeholder 1">
             <a:extLst>
               <a:ext uri="{FF2B5EF4-FFF2-40B4-BE49-F238E27FC236}">
-                <a16:creationId xmlns:a16="http://schemas.microsoft.com/office/drawing/2014/main" id="{D20FD384-FCB6-4F59-86EF-1178A65B5A8C}"/>
+                <a16:creationId xmlns:a16="http://schemas.microsoft.com/office/drawing/2014/main" id="{81A300BB-7F40-4C57-8881-C6B09C47F7C0}"/>
               </a:ext>
             </a:extLst>
           </p:cNvPr>
@@ -7703,7 +8530,7 @@
           <p:cNvPr id="3" name="Slide Number Placeholder 2">
             <a:extLst>
               <a:ext uri="{FF2B5EF4-FFF2-40B4-BE49-F238E27FC236}">
-                <a16:creationId xmlns:a16="http://schemas.microsoft.com/office/drawing/2014/main" id="{5749366A-DE5A-4869-AA8F-AEBBCC560986}"/>
+                <a16:creationId xmlns:a16="http://schemas.microsoft.com/office/drawing/2014/main" id="{2FB97827-2F9B-45FD-862D-9BC09E415F7E}"/>
               </a:ext>
             </a:extLst>
           </p:cNvPr>
@@ -7730,7 +8557,7 @@
     </p:spTree>
     <p:extLst>
       <p:ext uri="{BB962C8B-B14F-4D97-AF65-F5344CB8AC3E}">
-        <p14:creationId xmlns:p14="http://schemas.microsoft.com/office/powerpoint/2010/main" val="4144258888"/>
+        <p14:creationId xmlns:p14="http://schemas.microsoft.com/office/powerpoint/2010/main" val="4172676054"/>
       </p:ext>
     </p:extLst>
   </p:cSld>
